--- a/voorstel centrale bank.pptx
+++ b/voorstel centrale bank.pptx
@@ -171,9 +171,699 @@
 <file path=ppt/revisionInfo.xml><?xml version="1.0" encoding="utf-8"?>
 <p1510:revInfo xmlns:a="http://schemas.openxmlformats.org/drawingml/2006/main" xmlns:r="http://schemas.openxmlformats.org/officeDocument/2006/relationships" xmlns:p1510="http://schemas.microsoft.com/office/powerpoint/2015/10/main">
   <p1510:revLst>
-    <p1510:client id="{04B74E4A-8F2E-42EC-9916-7E41DC11C6FB}" v="18142" dt="2018-05-29T22:49:48.156"/>
+    <p1510:client id="{52DABE4E-D023-4B5E-8CDC-362006F8FC8A}" v="282" dt="2018-05-30T06:16:01.030"/>
   </p1510:revLst>
 </p1510:revInfo>
+</file>
+
+<file path=ppt/changesInfos/changesInfo1.xml><?xml version="1.0" encoding="utf-8"?>
+<pc:chgInfo xmlns:a="http://schemas.openxmlformats.org/drawingml/2006/main" xmlns:r="http://schemas.openxmlformats.org/officeDocument/2006/relationships" xmlns:ac="http://schemas.microsoft.com/office/drawing/2013/main/command" xmlns:pc="http://schemas.microsoft.com/office/powerpoint/2013/main/command">
+  <pc:docChgLst>
+    <pc:chgData name="Boas Kalma" userId="2c43c42c076a4e53" providerId="LiveId" clId="{04B74E4A-8F2E-42EC-9916-7E41DC11C6FB}"/>
+    <pc:docChg chg="custSel modSld sldOrd">
+      <pc:chgData name="Boas Kalma" userId="2c43c42c076a4e53" providerId="LiveId" clId="{04B74E4A-8F2E-42EC-9916-7E41DC11C6FB}" dt="2018-05-30T06:16:01.030" v="276" actId="2"/>
+      <pc:docMkLst>
+        <pc:docMk/>
+      </pc:docMkLst>
+      <pc:sldChg chg="modSp">
+        <pc:chgData name="Boas Kalma" userId="2c43c42c076a4e53" providerId="LiveId" clId="{04B74E4A-8F2E-42EC-9916-7E41DC11C6FB}" dt="2018-05-30T06:06:38.776" v="27" actId="20577"/>
+        <pc:sldMkLst>
+          <pc:docMk/>
+          <pc:sldMk cId="2234825254" sldId="257"/>
+        </pc:sldMkLst>
+        <pc:spChg chg="mod">
+          <ac:chgData name="Boas Kalma" userId="2c43c42c076a4e53" providerId="LiveId" clId="{04B74E4A-8F2E-42EC-9916-7E41DC11C6FB}" dt="2018-05-30T06:06:38.776" v="27" actId="20577"/>
+          <ac:spMkLst>
+            <pc:docMk/>
+            <pc:sldMk cId="2234825254" sldId="257"/>
+            <ac:spMk id="3" creationId="{F4CAB62B-5047-4DB9-B618-E08C0590B76F}"/>
+          </ac:spMkLst>
+        </pc:spChg>
+      </pc:sldChg>
+      <pc:sldChg chg="modSp">
+        <pc:chgData name="Boas Kalma" userId="2c43c42c076a4e53" providerId="LiveId" clId="{04B74E4A-8F2E-42EC-9916-7E41DC11C6FB}" dt="2018-05-30T06:03:35.556" v="2" actId="20577"/>
+        <pc:sldMkLst>
+          <pc:docMk/>
+          <pc:sldMk cId="2579168602" sldId="259"/>
+        </pc:sldMkLst>
+        <pc:spChg chg="mod">
+          <ac:chgData name="Boas Kalma" userId="2c43c42c076a4e53" providerId="LiveId" clId="{04B74E4A-8F2E-42EC-9916-7E41DC11C6FB}" dt="2018-05-30T06:03:35.556" v="2" actId="20577"/>
+          <ac:spMkLst>
+            <pc:docMk/>
+            <pc:sldMk cId="2579168602" sldId="259"/>
+            <ac:spMk id="3" creationId="{132BAD8F-7FD7-4B7F-AA6F-BD59988D46CB}"/>
+          </ac:spMkLst>
+        </pc:spChg>
+      </pc:sldChg>
+      <pc:sldChg chg="modSp">
+        <pc:chgData name="Boas Kalma" userId="2c43c42c076a4e53" providerId="LiveId" clId="{04B74E4A-8F2E-42EC-9916-7E41DC11C6FB}" dt="2018-05-30T06:07:05.959" v="32" actId="20577"/>
+        <pc:sldMkLst>
+          <pc:docMk/>
+          <pc:sldMk cId="1389244430" sldId="260"/>
+        </pc:sldMkLst>
+        <pc:spChg chg="mod">
+          <ac:chgData name="Boas Kalma" userId="2c43c42c076a4e53" providerId="LiveId" clId="{04B74E4A-8F2E-42EC-9916-7E41DC11C6FB}" dt="2018-05-30T06:07:05.959" v="32" actId="20577"/>
+          <ac:spMkLst>
+            <pc:docMk/>
+            <pc:sldMk cId="1389244430" sldId="260"/>
+            <ac:spMk id="5" creationId="{0A256C18-A982-4322-A86B-19932808C21C}"/>
+          </ac:spMkLst>
+        </pc:spChg>
+      </pc:sldChg>
+      <pc:sldChg chg="modSp">
+        <pc:chgData name="Boas Kalma" userId="2c43c42c076a4e53" providerId="LiveId" clId="{04B74E4A-8F2E-42EC-9916-7E41DC11C6FB}" dt="2018-05-30T06:08:41.718" v="70" actId="20577"/>
+        <pc:sldMkLst>
+          <pc:docMk/>
+          <pc:sldMk cId="2384349757" sldId="264"/>
+        </pc:sldMkLst>
+        <pc:spChg chg="mod">
+          <ac:chgData name="Boas Kalma" userId="2c43c42c076a4e53" providerId="LiveId" clId="{04B74E4A-8F2E-42EC-9916-7E41DC11C6FB}" dt="2018-05-30T06:08:41.718" v="70" actId="20577"/>
+          <ac:spMkLst>
+            <pc:docMk/>
+            <pc:sldMk cId="2384349757" sldId="264"/>
+            <ac:spMk id="3" creationId="{35AE3C66-B6B1-440B-82EC-52D0F2B998A1}"/>
+          </ac:spMkLst>
+        </pc:spChg>
+      </pc:sldChg>
+      <pc:sldChg chg="modSp">
+        <pc:chgData name="Boas Kalma" userId="2c43c42c076a4e53" providerId="LiveId" clId="{04B74E4A-8F2E-42EC-9916-7E41DC11C6FB}" dt="2018-05-30T06:09:04.683" v="82" actId="20577"/>
+        <pc:sldMkLst>
+          <pc:docMk/>
+          <pc:sldMk cId="4147078659" sldId="265"/>
+        </pc:sldMkLst>
+        <pc:spChg chg="mod">
+          <ac:chgData name="Boas Kalma" userId="2c43c42c076a4e53" providerId="LiveId" clId="{04B74E4A-8F2E-42EC-9916-7E41DC11C6FB}" dt="2018-05-30T06:08:58.575" v="79" actId="20577"/>
+          <ac:spMkLst>
+            <pc:docMk/>
+            <pc:sldMk cId="4147078659" sldId="265"/>
+            <ac:spMk id="5" creationId="{0A256C18-A982-4322-A86B-19932808C21C}"/>
+          </ac:spMkLst>
+        </pc:spChg>
+        <pc:spChg chg="mod">
+          <ac:chgData name="Boas Kalma" userId="2c43c42c076a4e53" providerId="LiveId" clId="{04B74E4A-8F2E-42EC-9916-7E41DC11C6FB}" dt="2018-05-30T06:09:04.683" v="82" actId="20577"/>
+          <ac:spMkLst>
+            <pc:docMk/>
+            <pc:sldMk cId="4147078659" sldId="265"/>
+            <ac:spMk id="8" creationId="{68FA2104-9A66-4A32-9989-2D549693E99D}"/>
+          </ac:spMkLst>
+        </pc:spChg>
+      </pc:sldChg>
+      <pc:sldChg chg="modSp">
+        <pc:chgData name="Boas Kalma" userId="2c43c42c076a4e53" providerId="LiveId" clId="{04B74E4A-8F2E-42EC-9916-7E41DC11C6FB}" dt="2018-05-30T06:08:30.605" v="64" actId="20577"/>
+        <pc:sldMkLst>
+          <pc:docMk/>
+          <pc:sldMk cId="261333784" sldId="267"/>
+        </pc:sldMkLst>
+        <pc:spChg chg="mod">
+          <ac:chgData name="Boas Kalma" userId="2c43c42c076a4e53" providerId="LiveId" clId="{04B74E4A-8F2E-42EC-9916-7E41DC11C6FB}" dt="2018-05-30T06:08:23.120" v="58" actId="313"/>
+          <ac:spMkLst>
+            <pc:docMk/>
+            <pc:sldMk cId="261333784" sldId="267"/>
+            <ac:spMk id="2" creationId="{2ABC576A-F5F7-476E-ACED-50EF2DE58172}"/>
+          </ac:spMkLst>
+        </pc:spChg>
+        <pc:spChg chg="mod">
+          <ac:chgData name="Boas Kalma" userId="2c43c42c076a4e53" providerId="LiveId" clId="{04B74E4A-8F2E-42EC-9916-7E41DC11C6FB}" dt="2018-05-30T06:08:24.444" v="59" actId="313"/>
+          <ac:spMkLst>
+            <pc:docMk/>
+            <pc:sldMk cId="261333784" sldId="267"/>
+            <ac:spMk id="3" creationId="{0D1AAA91-701C-48B0-AD19-A5DE6167ED6E}"/>
+          </ac:spMkLst>
+        </pc:spChg>
+        <pc:spChg chg="mod">
+          <ac:chgData name="Boas Kalma" userId="2c43c42c076a4e53" providerId="LiveId" clId="{04B74E4A-8F2E-42EC-9916-7E41DC11C6FB}" dt="2018-05-30T06:08:25.833" v="60" actId="313"/>
+          <ac:spMkLst>
+            <pc:docMk/>
+            <pc:sldMk cId="261333784" sldId="267"/>
+            <ac:spMk id="5" creationId="{0A256C18-A982-4322-A86B-19932808C21C}"/>
+          </ac:spMkLst>
+        </pc:spChg>
+        <pc:spChg chg="mod">
+          <ac:chgData name="Boas Kalma" userId="2c43c42c076a4e53" providerId="LiveId" clId="{04B74E4A-8F2E-42EC-9916-7E41DC11C6FB}" dt="2018-05-30T06:08:30.605" v="64" actId="20577"/>
+          <ac:spMkLst>
+            <pc:docMk/>
+            <pc:sldMk cId="261333784" sldId="267"/>
+            <ac:spMk id="8" creationId="{68FA2104-9A66-4A32-9989-2D549693E99D}"/>
+          </ac:spMkLst>
+        </pc:spChg>
+      </pc:sldChg>
+      <pc:sldChg chg="modSp">
+        <pc:chgData name="Boas Kalma" userId="2c43c42c076a4e53" providerId="LiveId" clId="{04B74E4A-8F2E-42EC-9916-7E41DC11C6FB}" dt="2018-05-30T06:08:02.940" v="54" actId="313"/>
+        <pc:sldMkLst>
+          <pc:docMk/>
+          <pc:sldMk cId="1554672066" sldId="268"/>
+        </pc:sldMkLst>
+        <pc:spChg chg="mod">
+          <ac:chgData name="Boas Kalma" userId="2c43c42c076a4e53" providerId="LiveId" clId="{04B74E4A-8F2E-42EC-9916-7E41DC11C6FB}" dt="2018-05-30T06:08:02.940" v="54" actId="313"/>
+          <ac:spMkLst>
+            <pc:docMk/>
+            <pc:sldMk cId="1554672066" sldId="268"/>
+            <ac:spMk id="3" creationId="{71E173D6-08C2-4844-BE3B-FE5066772D93}"/>
+          </ac:spMkLst>
+        </pc:spChg>
+      </pc:sldChg>
+      <pc:sldChg chg="modSp">
+        <pc:chgData name="Boas Kalma" userId="2c43c42c076a4e53" providerId="LiveId" clId="{04B74E4A-8F2E-42EC-9916-7E41DC11C6FB}" dt="2018-05-30T06:07:22.892" v="48" actId="20577"/>
+        <pc:sldMkLst>
+          <pc:docMk/>
+          <pc:sldMk cId="2845969474" sldId="269"/>
+        </pc:sldMkLst>
+        <pc:spChg chg="mod">
+          <ac:chgData name="Boas Kalma" userId="2c43c42c076a4e53" providerId="LiveId" clId="{04B74E4A-8F2E-42EC-9916-7E41DC11C6FB}" dt="2018-05-30T06:07:22.892" v="48" actId="20577"/>
+          <ac:spMkLst>
+            <pc:docMk/>
+            <pc:sldMk cId="2845969474" sldId="269"/>
+            <ac:spMk id="2" creationId="{D5C6DB25-C5BE-4C38-9FD9-59A5ABBDFA36}"/>
+          </ac:spMkLst>
+        </pc:spChg>
+      </pc:sldChg>
+      <pc:sldChg chg="modSp">
+        <pc:chgData name="Boas Kalma" userId="2c43c42c076a4e53" providerId="LiveId" clId="{04B74E4A-8F2E-42EC-9916-7E41DC11C6FB}" dt="2018-05-30T06:09:54.292" v="91" actId="790"/>
+        <pc:sldMkLst>
+          <pc:docMk/>
+          <pc:sldMk cId="2594836499" sldId="271"/>
+        </pc:sldMkLst>
+        <pc:spChg chg="mod">
+          <ac:chgData name="Boas Kalma" userId="2c43c42c076a4e53" providerId="LiveId" clId="{04B74E4A-8F2E-42EC-9916-7E41DC11C6FB}" dt="2018-05-30T06:09:09.818" v="86" actId="20577"/>
+          <ac:spMkLst>
+            <pc:docMk/>
+            <pc:sldMk cId="2594836499" sldId="271"/>
+            <ac:spMk id="2" creationId="{2ABC576A-F5F7-476E-ACED-50EF2DE58172}"/>
+          </ac:spMkLst>
+        </pc:spChg>
+        <pc:spChg chg="mod">
+          <ac:chgData name="Boas Kalma" userId="2c43c42c076a4e53" providerId="LiveId" clId="{04B74E4A-8F2E-42EC-9916-7E41DC11C6FB}" dt="2018-05-30T06:09:41.159" v="90" actId="790"/>
+          <ac:spMkLst>
+            <pc:docMk/>
+            <pc:sldMk cId="2594836499" sldId="271"/>
+            <ac:spMk id="3" creationId="{0D1AAA91-701C-48B0-AD19-A5DE6167ED6E}"/>
+          </ac:spMkLst>
+        </pc:spChg>
+        <pc:spChg chg="mod">
+          <ac:chgData name="Boas Kalma" userId="2c43c42c076a4e53" providerId="LiveId" clId="{04B74E4A-8F2E-42EC-9916-7E41DC11C6FB}" dt="2018-05-30T06:09:54.292" v="91" actId="790"/>
+          <ac:spMkLst>
+            <pc:docMk/>
+            <pc:sldMk cId="2594836499" sldId="271"/>
+            <ac:spMk id="8" creationId="{68FA2104-9A66-4A32-9989-2D549693E99D}"/>
+          </ac:spMkLst>
+        </pc:spChg>
+      </pc:sldChg>
+      <pc:sldChg chg="modSp">
+        <pc:chgData name="Boas Kalma" userId="2c43c42c076a4e53" providerId="LiveId" clId="{04B74E4A-8F2E-42EC-9916-7E41DC11C6FB}" dt="2018-05-30T06:09:59.810" v="94" actId="20577"/>
+        <pc:sldMkLst>
+          <pc:docMk/>
+          <pc:sldMk cId="2686954031" sldId="272"/>
+        </pc:sldMkLst>
+        <pc:spChg chg="mod">
+          <ac:chgData name="Boas Kalma" userId="2c43c42c076a4e53" providerId="LiveId" clId="{04B74E4A-8F2E-42EC-9916-7E41DC11C6FB}" dt="2018-05-30T06:09:59.810" v="94" actId="20577"/>
+          <ac:spMkLst>
+            <pc:docMk/>
+            <pc:sldMk cId="2686954031" sldId="272"/>
+            <ac:spMk id="8" creationId="{68FA2104-9A66-4A32-9989-2D549693E99D}"/>
+          </ac:spMkLst>
+        </pc:spChg>
+      </pc:sldChg>
+      <pc:sldChg chg="modSp">
+        <pc:chgData name="Boas Kalma" userId="2c43c42c076a4e53" providerId="LiveId" clId="{04B74E4A-8F2E-42EC-9916-7E41DC11C6FB}" dt="2018-05-30T06:10:18.529" v="96" actId="313"/>
+        <pc:sldMkLst>
+          <pc:docMk/>
+          <pc:sldMk cId="3791432566" sldId="273"/>
+        </pc:sldMkLst>
+        <pc:spChg chg="mod">
+          <ac:chgData name="Boas Kalma" userId="2c43c42c076a4e53" providerId="LiveId" clId="{04B74E4A-8F2E-42EC-9916-7E41DC11C6FB}" dt="2018-05-30T06:10:13.550" v="95" actId="790"/>
+          <ac:spMkLst>
+            <pc:docMk/>
+            <pc:sldMk cId="3791432566" sldId="273"/>
+            <ac:spMk id="3" creationId="{0D1AAA91-701C-48B0-AD19-A5DE6167ED6E}"/>
+          </ac:spMkLst>
+        </pc:spChg>
+        <pc:spChg chg="mod">
+          <ac:chgData name="Boas Kalma" userId="2c43c42c076a4e53" providerId="LiveId" clId="{04B74E4A-8F2E-42EC-9916-7E41DC11C6FB}" dt="2018-05-30T06:10:18.529" v="96" actId="313"/>
+          <ac:spMkLst>
+            <pc:docMk/>
+            <pc:sldMk cId="3791432566" sldId="273"/>
+            <ac:spMk id="8" creationId="{68FA2104-9A66-4A32-9989-2D549693E99D}"/>
+          </ac:spMkLst>
+        </pc:spChg>
+      </pc:sldChg>
+      <pc:sldChg chg="modSp">
+        <pc:chgData name="Boas Kalma" userId="2c43c42c076a4e53" providerId="LiveId" clId="{04B74E4A-8F2E-42EC-9916-7E41DC11C6FB}" dt="2018-05-30T06:10:29.050" v="104" actId="20577"/>
+        <pc:sldMkLst>
+          <pc:docMk/>
+          <pc:sldMk cId="2422426868" sldId="274"/>
+        </pc:sldMkLst>
+        <pc:spChg chg="mod">
+          <ac:chgData name="Boas Kalma" userId="2c43c42c076a4e53" providerId="LiveId" clId="{04B74E4A-8F2E-42EC-9916-7E41DC11C6FB}" dt="2018-05-30T06:10:29.050" v="104" actId="20577"/>
+          <ac:spMkLst>
+            <pc:docMk/>
+            <pc:sldMk cId="2422426868" sldId="274"/>
+            <ac:spMk id="3" creationId="{71E173D6-08C2-4844-BE3B-FE5066772D93}"/>
+          </ac:spMkLst>
+        </pc:spChg>
+      </pc:sldChg>
+      <pc:sldChg chg="modSp">
+        <pc:chgData name="Boas Kalma" userId="2c43c42c076a4e53" providerId="LiveId" clId="{04B74E4A-8F2E-42EC-9916-7E41DC11C6FB}" dt="2018-05-30T06:10:35.067" v="111" actId="20577"/>
+        <pc:sldMkLst>
+          <pc:docMk/>
+          <pc:sldMk cId="429695177" sldId="277"/>
+        </pc:sldMkLst>
+        <pc:spChg chg="mod">
+          <ac:chgData name="Boas Kalma" userId="2c43c42c076a4e53" providerId="LiveId" clId="{04B74E4A-8F2E-42EC-9916-7E41DC11C6FB}" dt="2018-05-30T06:10:35.067" v="111" actId="20577"/>
+          <ac:spMkLst>
+            <pc:docMk/>
+            <pc:sldMk cId="429695177" sldId="277"/>
+            <ac:spMk id="5" creationId="{0A256C18-A982-4322-A86B-19932808C21C}"/>
+          </ac:spMkLst>
+        </pc:spChg>
+      </pc:sldChg>
+      <pc:sldChg chg="modSp">
+        <pc:chgData name="Boas Kalma" userId="2c43c42c076a4e53" providerId="LiveId" clId="{04B74E4A-8F2E-42EC-9916-7E41DC11C6FB}" dt="2018-05-30T06:04:56.470" v="14" actId="20577"/>
+        <pc:sldMkLst>
+          <pc:docMk/>
+          <pc:sldMk cId="993627111" sldId="278"/>
+        </pc:sldMkLst>
+        <pc:spChg chg="mod">
+          <ac:chgData name="Boas Kalma" userId="2c43c42c076a4e53" providerId="LiveId" clId="{04B74E4A-8F2E-42EC-9916-7E41DC11C6FB}" dt="2018-05-30T06:04:56.470" v="14" actId="20577"/>
+          <ac:spMkLst>
+            <pc:docMk/>
+            <pc:sldMk cId="993627111" sldId="278"/>
+            <ac:spMk id="5" creationId="{0A256C18-A982-4322-A86B-19932808C21C}"/>
+          </ac:spMkLst>
+        </pc:spChg>
+      </pc:sldChg>
+      <pc:sldChg chg="modSp">
+        <pc:chgData name="Boas Kalma" userId="2c43c42c076a4e53" providerId="LiveId" clId="{04B74E4A-8F2E-42EC-9916-7E41DC11C6FB}" dt="2018-05-30T06:11:28.755" v="136" actId="20577"/>
+        <pc:sldMkLst>
+          <pc:docMk/>
+          <pc:sldMk cId="1684296910" sldId="279"/>
+        </pc:sldMkLst>
+        <pc:spChg chg="mod">
+          <ac:chgData name="Boas Kalma" userId="2c43c42c076a4e53" providerId="LiveId" clId="{04B74E4A-8F2E-42EC-9916-7E41DC11C6FB}" dt="2018-05-30T06:10:58.570" v="114" actId="20577"/>
+          <ac:spMkLst>
+            <pc:docMk/>
+            <pc:sldMk cId="1684296910" sldId="279"/>
+            <ac:spMk id="2" creationId="{2ABC576A-F5F7-476E-ACED-50EF2DE58172}"/>
+          </ac:spMkLst>
+        </pc:spChg>
+        <pc:spChg chg="mod">
+          <ac:chgData name="Boas Kalma" userId="2c43c42c076a4e53" providerId="LiveId" clId="{04B74E4A-8F2E-42EC-9916-7E41DC11C6FB}" dt="2018-05-30T06:11:21.541" v="124" actId="20577"/>
+          <ac:spMkLst>
+            <pc:docMk/>
+            <pc:sldMk cId="1684296910" sldId="279"/>
+            <ac:spMk id="3" creationId="{0D1AAA91-701C-48B0-AD19-A5DE6167ED6E}"/>
+          </ac:spMkLst>
+        </pc:spChg>
+        <pc:spChg chg="mod">
+          <ac:chgData name="Boas Kalma" userId="2c43c42c076a4e53" providerId="LiveId" clId="{04B74E4A-8F2E-42EC-9916-7E41DC11C6FB}" dt="2018-05-30T06:11:25.275" v="130" actId="20577"/>
+          <ac:spMkLst>
+            <pc:docMk/>
+            <pc:sldMk cId="1684296910" sldId="279"/>
+            <ac:spMk id="5" creationId="{0A256C18-A982-4322-A86B-19932808C21C}"/>
+          </ac:spMkLst>
+        </pc:spChg>
+        <pc:spChg chg="mod">
+          <ac:chgData name="Boas Kalma" userId="2c43c42c076a4e53" providerId="LiveId" clId="{04B74E4A-8F2E-42EC-9916-7E41DC11C6FB}" dt="2018-05-30T06:11:28.755" v="136" actId="20577"/>
+          <ac:spMkLst>
+            <pc:docMk/>
+            <pc:sldMk cId="1684296910" sldId="279"/>
+            <ac:spMk id="8" creationId="{68FA2104-9A66-4A32-9989-2D549693E99D}"/>
+          </ac:spMkLst>
+        </pc:spChg>
+      </pc:sldChg>
+      <pc:sldChg chg="modSp">
+        <pc:chgData name="Boas Kalma" userId="2c43c42c076a4e53" providerId="LiveId" clId="{04B74E4A-8F2E-42EC-9916-7E41DC11C6FB}" dt="2018-05-30T06:05:09.323" v="15" actId="20577"/>
+        <pc:sldMkLst>
+          <pc:docMk/>
+          <pc:sldMk cId="3349577823" sldId="280"/>
+        </pc:sldMkLst>
+        <pc:spChg chg="mod">
+          <ac:chgData name="Boas Kalma" userId="2c43c42c076a4e53" providerId="LiveId" clId="{04B74E4A-8F2E-42EC-9916-7E41DC11C6FB}" dt="2018-05-30T06:05:09.323" v="15" actId="20577"/>
+          <ac:spMkLst>
+            <pc:docMk/>
+            <pc:sldMk cId="3349577823" sldId="280"/>
+            <ac:spMk id="5" creationId="{0A256C18-A982-4322-A86B-19932808C21C}"/>
+          </ac:spMkLst>
+        </pc:spChg>
+      </pc:sldChg>
+      <pc:sldChg chg="modSp">
+        <pc:chgData name="Boas Kalma" userId="2c43c42c076a4e53" providerId="LiveId" clId="{04B74E4A-8F2E-42EC-9916-7E41DC11C6FB}" dt="2018-05-30T06:12:04.507" v="154" actId="313"/>
+        <pc:sldMkLst>
+          <pc:docMk/>
+          <pc:sldMk cId="778497383" sldId="281"/>
+        </pc:sldMkLst>
+        <pc:spChg chg="mod">
+          <ac:chgData name="Boas Kalma" userId="2c43c42c076a4e53" providerId="LiveId" clId="{04B74E4A-8F2E-42EC-9916-7E41DC11C6FB}" dt="2018-05-30T06:11:37.712" v="140" actId="20577"/>
+          <ac:spMkLst>
+            <pc:docMk/>
+            <pc:sldMk cId="778497383" sldId="281"/>
+            <ac:spMk id="2" creationId="{2ABC576A-F5F7-476E-ACED-50EF2DE58172}"/>
+          </ac:spMkLst>
+        </pc:spChg>
+        <pc:spChg chg="mod">
+          <ac:chgData name="Boas Kalma" userId="2c43c42c076a4e53" providerId="LiveId" clId="{04B74E4A-8F2E-42EC-9916-7E41DC11C6FB}" dt="2018-05-30T06:12:01.640" v="153" actId="20577"/>
+          <ac:spMkLst>
+            <pc:docMk/>
+            <pc:sldMk cId="778497383" sldId="281"/>
+            <ac:spMk id="3" creationId="{0D1AAA91-701C-48B0-AD19-A5DE6167ED6E}"/>
+          </ac:spMkLst>
+        </pc:spChg>
+        <pc:spChg chg="mod">
+          <ac:chgData name="Boas Kalma" userId="2c43c42c076a4e53" providerId="LiveId" clId="{04B74E4A-8F2E-42EC-9916-7E41DC11C6FB}" dt="2018-05-30T06:12:04.507" v="154" actId="313"/>
+          <ac:spMkLst>
+            <pc:docMk/>
+            <pc:sldMk cId="778497383" sldId="281"/>
+            <ac:spMk id="5" creationId="{0A256C18-A982-4322-A86B-19932808C21C}"/>
+          </ac:spMkLst>
+        </pc:spChg>
+      </pc:sldChg>
+      <pc:sldChg chg="modSp">
+        <pc:chgData name="Boas Kalma" userId="2c43c42c076a4e53" providerId="LiveId" clId="{04B74E4A-8F2E-42EC-9916-7E41DC11C6FB}" dt="2018-05-30T06:12:17.279" v="169" actId="20577"/>
+        <pc:sldMkLst>
+          <pc:docMk/>
+          <pc:sldMk cId="1631933910" sldId="282"/>
+        </pc:sldMkLst>
+        <pc:spChg chg="mod">
+          <ac:chgData name="Boas Kalma" userId="2c43c42c076a4e53" providerId="LiveId" clId="{04B74E4A-8F2E-42EC-9916-7E41DC11C6FB}" dt="2018-05-30T06:12:08.506" v="157" actId="20577"/>
+          <ac:spMkLst>
+            <pc:docMk/>
+            <pc:sldMk cId="1631933910" sldId="282"/>
+            <ac:spMk id="2" creationId="{2ABC576A-F5F7-476E-ACED-50EF2DE58172}"/>
+          </ac:spMkLst>
+        </pc:spChg>
+        <pc:spChg chg="mod">
+          <ac:chgData name="Boas Kalma" userId="2c43c42c076a4e53" providerId="LiveId" clId="{04B74E4A-8F2E-42EC-9916-7E41DC11C6FB}" dt="2018-05-30T06:12:12.968" v="163" actId="20577"/>
+          <ac:spMkLst>
+            <pc:docMk/>
+            <pc:sldMk cId="1631933910" sldId="282"/>
+            <ac:spMk id="3" creationId="{0D1AAA91-701C-48B0-AD19-A5DE6167ED6E}"/>
+          </ac:spMkLst>
+        </pc:spChg>
+        <pc:spChg chg="mod">
+          <ac:chgData name="Boas Kalma" userId="2c43c42c076a4e53" providerId="LiveId" clId="{04B74E4A-8F2E-42EC-9916-7E41DC11C6FB}" dt="2018-05-30T06:12:17.279" v="169" actId="20577"/>
+          <ac:spMkLst>
+            <pc:docMk/>
+            <pc:sldMk cId="1631933910" sldId="282"/>
+            <ac:spMk id="5" creationId="{0A256C18-A982-4322-A86B-19932808C21C}"/>
+          </ac:spMkLst>
+        </pc:spChg>
+      </pc:sldChg>
+      <pc:sldChg chg="modSp">
+        <pc:chgData name="Boas Kalma" userId="2c43c42c076a4e53" providerId="LiveId" clId="{04B74E4A-8F2E-42EC-9916-7E41DC11C6FB}" dt="2018-05-30T06:12:27.648" v="179" actId="20577"/>
+        <pc:sldMkLst>
+          <pc:docMk/>
+          <pc:sldMk cId="1486992162" sldId="283"/>
+        </pc:sldMkLst>
+        <pc:spChg chg="mod">
+          <ac:chgData name="Boas Kalma" userId="2c43c42c076a4e53" providerId="LiveId" clId="{04B74E4A-8F2E-42EC-9916-7E41DC11C6FB}" dt="2018-05-30T06:12:27.648" v="179" actId="20577"/>
+          <ac:spMkLst>
+            <pc:docMk/>
+            <pc:sldMk cId="1486992162" sldId="283"/>
+            <ac:spMk id="3" creationId="{71E173D6-08C2-4844-BE3B-FE5066772D93}"/>
+          </ac:spMkLst>
+        </pc:spChg>
+      </pc:sldChg>
+      <pc:sldChg chg="modSp">
+        <pc:chgData name="Boas Kalma" userId="2c43c42c076a4e53" providerId="LiveId" clId="{04B74E4A-8F2E-42EC-9916-7E41DC11C6FB}" dt="2018-05-30T06:13:00.252" v="204" actId="20577"/>
+        <pc:sldMkLst>
+          <pc:docMk/>
+          <pc:sldMk cId="1862782668" sldId="286"/>
+        </pc:sldMkLst>
+        <pc:spChg chg="mod">
+          <ac:chgData name="Boas Kalma" userId="2c43c42c076a4e53" providerId="LiveId" clId="{04B74E4A-8F2E-42EC-9916-7E41DC11C6FB}" dt="2018-05-30T06:13:00.252" v="204" actId="20577"/>
+          <ac:spMkLst>
+            <pc:docMk/>
+            <pc:sldMk cId="1862782668" sldId="286"/>
+            <ac:spMk id="5" creationId="{0A256C18-A982-4322-A86B-19932808C21C}"/>
+          </ac:spMkLst>
+        </pc:spChg>
+      </pc:sldChg>
+      <pc:sldChg chg="modSp">
+        <pc:chgData name="Boas Kalma" userId="2c43c42c076a4e53" providerId="LiveId" clId="{04B74E4A-8F2E-42EC-9916-7E41DC11C6FB}" dt="2018-05-30T06:15:57.749" v="275" actId="2"/>
+        <pc:sldMkLst>
+          <pc:docMk/>
+          <pc:sldMk cId="267868473" sldId="287"/>
+        </pc:sldMkLst>
+        <pc:spChg chg="mod">
+          <ac:chgData name="Boas Kalma" userId="2c43c42c076a4e53" providerId="LiveId" clId="{04B74E4A-8F2E-42EC-9916-7E41DC11C6FB}" dt="2018-05-30T06:15:57.749" v="275" actId="2"/>
+          <ac:spMkLst>
+            <pc:docMk/>
+            <pc:sldMk cId="267868473" sldId="287"/>
+            <ac:spMk id="3" creationId="{0D1AAA91-701C-48B0-AD19-A5DE6167ED6E}"/>
+          </ac:spMkLst>
+        </pc:spChg>
+        <pc:spChg chg="mod">
+          <ac:chgData name="Boas Kalma" userId="2c43c42c076a4e53" providerId="LiveId" clId="{04B74E4A-8F2E-42EC-9916-7E41DC11C6FB}" dt="2018-05-30T06:13:35.573" v="214" actId="20577"/>
+          <ac:spMkLst>
+            <pc:docMk/>
+            <pc:sldMk cId="267868473" sldId="287"/>
+            <ac:spMk id="5" creationId="{0A256C18-A982-4322-A86B-19932808C21C}"/>
+          </ac:spMkLst>
+        </pc:spChg>
+        <pc:spChg chg="mod">
+          <ac:chgData name="Boas Kalma" userId="2c43c42c076a4e53" providerId="LiveId" clId="{04B74E4A-8F2E-42EC-9916-7E41DC11C6FB}" dt="2018-05-30T06:13:42.630" v="215" actId="2"/>
+          <ac:spMkLst>
+            <pc:docMk/>
+            <pc:sldMk cId="267868473" sldId="287"/>
+            <ac:spMk id="8" creationId="{68FA2104-9A66-4A32-9989-2D549693E99D}"/>
+          </ac:spMkLst>
+        </pc:spChg>
+      </pc:sldChg>
+      <pc:sldChg chg="modSp">
+        <pc:chgData name="Boas Kalma" userId="2c43c42c076a4e53" providerId="LiveId" clId="{04B74E4A-8F2E-42EC-9916-7E41DC11C6FB}" dt="2018-05-30T06:16:01.030" v="276" actId="2"/>
+        <pc:sldMkLst>
+          <pc:docMk/>
+          <pc:sldMk cId="3754598929" sldId="288"/>
+        </pc:sldMkLst>
+        <pc:spChg chg="mod">
+          <ac:chgData name="Boas Kalma" userId="2c43c42c076a4e53" providerId="LiveId" clId="{04B74E4A-8F2E-42EC-9916-7E41DC11C6FB}" dt="2018-05-30T06:16:01.030" v="276" actId="2"/>
+          <ac:spMkLst>
+            <pc:docMk/>
+            <pc:sldMk cId="3754598929" sldId="288"/>
+            <ac:spMk id="3" creationId="{0D1AAA91-701C-48B0-AD19-A5DE6167ED6E}"/>
+          </ac:spMkLst>
+        </pc:spChg>
+        <pc:spChg chg="mod">
+          <ac:chgData name="Boas Kalma" userId="2c43c42c076a4e53" providerId="LiveId" clId="{04B74E4A-8F2E-42EC-9916-7E41DC11C6FB}" dt="2018-05-30T06:13:53.560" v="224" actId="20577"/>
+          <ac:spMkLst>
+            <pc:docMk/>
+            <pc:sldMk cId="3754598929" sldId="288"/>
+            <ac:spMk id="5" creationId="{0A256C18-A982-4322-A86B-19932808C21C}"/>
+          </ac:spMkLst>
+        </pc:spChg>
+      </pc:sldChg>
+      <pc:sldChg chg="modSp">
+        <pc:chgData name="Boas Kalma" userId="2c43c42c076a4e53" providerId="LiveId" clId="{04B74E4A-8F2E-42EC-9916-7E41DC11C6FB}" dt="2018-05-30T06:14:03.278" v="225" actId="6549"/>
+        <pc:sldMkLst>
+          <pc:docMk/>
+          <pc:sldMk cId="2873054797" sldId="289"/>
+        </pc:sldMkLst>
+        <pc:spChg chg="mod">
+          <ac:chgData name="Boas Kalma" userId="2c43c42c076a4e53" providerId="LiveId" clId="{04B74E4A-8F2E-42EC-9916-7E41DC11C6FB}" dt="2018-05-30T06:14:03.278" v="225" actId="6549"/>
+          <ac:spMkLst>
+            <pc:docMk/>
+            <pc:sldMk cId="2873054797" sldId="289"/>
+            <ac:spMk id="8" creationId="{68FA2104-9A66-4A32-9989-2D549693E99D}"/>
+          </ac:spMkLst>
+        </pc:spChg>
+      </pc:sldChg>
+      <pc:sldChg chg="modSp">
+        <pc:chgData name="Boas Kalma" userId="2c43c42c076a4e53" providerId="LiveId" clId="{04B74E4A-8F2E-42EC-9916-7E41DC11C6FB}" dt="2018-05-30T06:14:21.797" v="233" actId="20577"/>
+        <pc:sldMkLst>
+          <pc:docMk/>
+          <pc:sldMk cId="2073658078" sldId="290"/>
+        </pc:sldMkLst>
+        <pc:spChg chg="mod">
+          <ac:chgData name="Boas Kalma" userId="2c43c42c076a4e53" providerId="LiveId" clId="{04B74E4A-8F2E-42EC-9916-7E41DC11C6FB}" dt="2018-05-30T06:14:21.797" v="233" actId="20577"/>
+          <ac:spMkLst>
+            <pc:docMk/>
+            <pc:sldMk cId="2073658078" sldId="290"/>
+            <ac:spMk id="3" creationId="{71E173D6-08C2-4844-BE3B-FE5066772D93}"/>
+          </ac:spMkLst>
+        </pc:spChg>
+      </pc:sldChg>
+      <pc:sldChg chg="modSp">
+        <pc:chgData name="Boas Kalma" userId="2c43c42c076a4e53" providerId="LiveId" clId="{04B74E4A-8F2E-42EC-9916-7E41DC11C6FB}" dt="2018-05-30T06:13:06.572" v="205" actId="20577"/>
+        <pc:sldMkLst>
+          <pc:docMk/>
+          <pc:sldMk cId="1708271650" sldId="291"/>
+        </pc:sldMkLst>
+        <pc:spChg chg="mod">
+          <ac:chgData name="Boas Kalma" userId="2c43c42c076a4e53" providerId="LiveId" clId="{04B74E4A-8F2E-42EC-9916-7E41DC11C6FB}" dt="2018-05-30T06:13:06.572" v="205" actId="20577"/>
+          <ac:spMkLst>
+            <pc:docMk/>
+            <pc:sldMk cId="1708271650" sldId="291"/>
+            <ac:spMk id="5" creationId="{0A256C18-A982-4322-A86B-19932808C21C}"/>
+          </ac:spMkLst>
+        </pc:spChg>
+      </pc:sldChg>
+      <pc:sldChg chg="modSp">
+        <pc:chgData name="Boas Kalma" userId="2c43c42c076a4e53" providerId="LiveId" clId="{04B74E4A-8F2E-42EC-9916-7E41DC11C6FB}" dt="2018-05-30T06:14:35.869" v="239" actId="20577"/>
+        <pc:sldMkLst>
+          <pc:docMk/>
+          <pc:sldMk cId="2063713647" sldId="294"/>
+        </pc:sldMkLst>
+        <pc:spChg chg="mod">
+          <ac:chgData name="Boas Kalma" userId="2c43c42c076a4e53" providerId="LiveId" clId="{04B74E4A-8F2E-42EC-9916-7E41DC11C6FB}" dt="2018-05-30T06:14:35.869" v="239" actId="20577"/>
+          <ac:spMkLst>
+            <pc:docMk/>
+            <pc:sldMk cId="2063713647" sldId="294"/>
+            <ac:spMk id="8" creationId="{68FA2104-9A66-4A32-9989-2D549693E99D}"/>
+          </ac:spMkLst>
+        </pc:spChg>
+      </pc:sldChg>
+      <pc:sldChg chg="modSp">
+        <pc:chgData name="Boas Kalma" userId="2c43c42c076a4e53" providerId="LiveId" clId="{04B74E4A-8F2E-42EC-9916-7E41DC11C6FB}" dt="2018-05-30T06:14:53.428" v="240" actId="790"/>
+        <pc:sldMkLst>
+          <pc:docMk/>
+          <pc:sldMk cId="3951625777" sldId="297"/>
+        </pc:sldMkLst>
+        <pc:spChg chg="mod">
+          <ac:chgData name="Boas Kalma" userId="2c43c42c076a4e53" providerId="LiveId" clId="{04B74E4A-8F2E-42EC-9916-7E41DC11C6FB}" dt="2018-05-30T06:14:53.428" v="240" actId="790"/>
+          <ac:spMkLst>
+            <pc:docMk/>
+            <pc:sldMk cId="3951625777" sldId="297"/>
+            <ac:spMk id="2" creationId="{2ABC576A-F5F7-476E-ACED-50EF2DE58172}"/>
+          </ac:spMkLst>
+        </pc:spChg>
+      </pc:sldChg>
+      <pc:sldChg chg="modSp">
+        <pc:chgData name="Boas Kalma" userId="2c43c42c076a4e53" providerId="LiveId" clId="{04B74E4A-8F2E-42EC-9916-7E41DC11C6FB}" dt="2018-05-30T06:14:57.842" v="243" actId="20577"/>
+        <pc:sldMkLst>
+          <pc:docMk/>
+          <pc:sldMk cId="191199393" sldId="298"/>
+        </pc:sldMkLst>
+        <pc:spChg chg="mod">
+          <ac:chgData name="Boas Kalma" userId="2c43c42c076a4e53" providerId="LiveId" clId="{04B74E4A-8F2E-42EC-9916-7E41DC11C6FB}" dt="2018-05-30T06:14:57.842" v="243" actId="20577"/>
+          <ac:spMkLst>
+            <pc:docMk/>
+            <pc:sldMk cId="191199393" sldId="298"/>
+            <ac:spMk id="3" creationId="{0D1AAA91-701C-48B0-AD19-A5DE6167ED6E}"/>
+          </ac:spMkLst>
+        </pc:spChg>
+      </pc:sldChg>
+      <pc:sldChg chg="modSp">
+        <pc:chgData name="Boas Kalma" userId="2c43c42c076a4e53" providerId="LiveId" clId="{04B74E4A-8F2E-42EC-9916-7E41DC11C6FB}" dt="2018-05-30T06:15:00.395" v="244" actId="2"/>
+        <pc:sldMkLst>
+          <pc:docMk/>
+          <pc:sldMk cId="1880706282" sldId="300"/>
+        </pc:sldMkLst>
+        <pc:spChg chg="mod">
+          <ac:chgData name="Boas Kalma" userId="2c43c42c076a4e53" providerId="LiveId" clId="{04B74E4A-8F2E-42EC-9916-7E41DC11C6FB}" dt="2018-05-30T06:15:00.395" v="244" actId="2"/>
+          <ac:spMkLst>
+            <pc:docMk/>
+            <pc:sldMk cId="1880706282" sldId="300"/>
+            <ac:spMk id="2" creationId="{2ABC576A-F5F7-476E-ACED-50EF2DE58172}"/>
+          </ac:spMkLst>
+        </pc:spChg>
+      </pc:sldChg>
+      <pc:sldChg chg="modSp">
+        <pc:chgData name="Boas Kalma" userId="2c43c42c076a4e53" providerId="LiveId" clId="{04B74E4A-8F2E-42EC-9916-7E41DC11C6FB}" dt="2018-05-30T06:15:01.208" v="245" actId="2"/>
+        <pc:sldMkLst>
+          <pc:docMk/>
+          <pc:sldMk cId="3603100394" sldId="301"/>
+        </pc:sldMkLst>
+        <pc:spChg chg="mod">
+          <ac:chgData name="Boas Kalma" userId="2c43c42c076a4e53" providerId="LiveId" clId="{04B74E4A-8F2E-42EC-9916-7E41DC11C6FB}" dt="2018-05-30T06:15:01.208" v="245" actId="2"/>
+          <ac:spMkLst>
+            <pc:docMk/>
+            <pc:sldMk cId="3603100394" sldId="301"/>
+            <ac:spMk id="2" creationId="{2ABC576A-F5F7-476E-ACED-50EF2DE58172}"/>
+          </ac:spMkLst>
+        </pc:spChg>
+      </pc:sldChg>
+      <pc:sldChg chg="modSp">
+        <pc:chgData name="Boas Kalma" userId="2c43c42c076a4e53" providerId="LiveId" clId="{04B74E4A-8F2E-42EC-9916-7E41DC11C6FB}" dt="2018-05-30T06:06:57.587" v="31" actId="20577"/>
+        <pc:sldMkLst>
+          <pc:docMk/>
+          <pc:sldMk cId="1413857425" sldId="306"/>
+        </pc:sldMkLst>
+        <pc:spChg chg="mod">
+          <ac:chgData name="Boas Kalma" userId="2c43c42c076a4e53" providerId="LiveId" clId="{04B74E4A-8F2E-42EC-9916-7E41DC11C6FB}" dt="2018-05-30T06:06:57.587" v="31" actId="20577"/>
+          <ac:spMkLst>
+            <pc:docMk/>
+            <pc:sldMk cId="1413857425" sldId="306"/>
+            <ac:spMk id="3" creationId="{C26CB1D9-C56A-4D89-B572-72268D8BC01E}"/>
+          </ac:spMkLst>
+        </pc:spChg>
+      </pc:sldChg>
+      <pc:sldChg chg="modSp">
+        <pc:chgData name="Boas Kalma" userId="2c43c42c076a4e53" providerId="LiveId" clId="{04B74E4A-8F2E-42EC-9916-7E41DC11C6FB}" dt="2018-05-30T06:15:02.802" v="246" actId="2"/>
+        <pc:sldMkLst>
+          <pc:docMk/>
+          <pc:sldMk cId="1831718610" sldId="309"/>
+        </pc:sldMkLst>
+        <pc:spChg chg="mod">
+          <ac:chgData name="Boas Kalma" userId="2c43c42c076a4e53" providerId="LiveId" clId="{04B74E4A-8F2E-42EC-9916-7E41DC11C6FB}" dt="2018-05-30T06:15:02.802" v="246" actId="2"/>
+          <ac:spMkLst>
+            <pc:docMk/>
+            <pc:sldMk cId="1831718610" sldId="309"/>
+            <ac:spMk id="3" creationId="{71E173D6-08C2-4844-BE3B-FE5066772D93}"/>
+          </ac:spMkLst>
+        </pc:spChg>
+      </pc:sldChg>
+      <pc:sldChg chg="modSp">
+        <pc:chgData name="Boas Kalma" userId="2c43c42c076a4e53" providerId="LiveId" clId="{04B74E4A-8F2E-42EC-9916-7E41DC11C6FB}" dt="2018-05-30T06:15:25.221" v="269" actId="20577"/>
+        <pc:sldMkLst>
+          <pc:docMk/>
+          <pc:sldMk cId="189967316" sldId="310"/>
+        </pc:sldMkLst>
+        <pc:spChg chg="mod">
+          <ac:chgData name="Boas Kalma" userId="2c43c42c076a4e53" providerId="LiveId" clId="{04B74E4A-8F2E-42EC-9916-7E41DC11C6FB}" dt="2018-05-30T06:15:25.221" v="269" actId="20577"/>
+          <ac:spMkLst>
+            <pc:docMk/>
+            <pc:sldMk cId="189967316" sldId="310"/>
+            <ac:spMk id="3" creationId="{71E173D6-08C2-4844-BE3B-FE5066772D93}"/>
+          </ac:spMkLst>
+        </pc:spChg>
+      </pc:sldChg>
+      <pc:sldChg chg="modSp">
+        <pc:chgData name="Boas Kalma" userId="2c43c42c076a4e53" providerId="LiveId" clId="{04B74E4A-8F2E-42EC-9916-7E41DC11C6FB}" dt="2018-05-30T06:15:28.356" v="272" actId="20577"/>
+        <pc:sldMkLst>
+          <pc:docMk/>
+          <pc:sldMk cId="213632357" sldId="311"/>
+        </pc:sldMkLst>
+        <pc:spChg chg="mod">
+          <ac:chgData name="Boas Kalma" userId="2c43c42c076a4e53" providerId="LiveId" clId="{04B74E4A-8F2E-42EC-9916-7E41DC11C6FB}" dt="2018-05-30T06:15:28.356" v="272" actId="20577"/>
+          <ac:spMkLst>
+            <pc:docMk/>
+            <pc:sldMk cId="213632357" sldId="311"/>
+            <ac:spMk id="3" creationId="{71E173D6-08C2-4844-BE3B-FE5066772D93}"/>
+          </ac:spMkLst>
+        </pc:spChg>
+      </pc:sldChg>
+      <pc:sldChg chg="modSp ord">
+        <pc:chgData name="Boas Kalma" userId="2c43c42c076a4e53" providerId="LiveId" clId="{04B74E4A-8F2E-42EC-9916-7E41DC11C6FB}" dt="2018-05-30T06:15:51.280" v="273" actId="20577"/>
+        <pc:sldMkLst>
+          <pc:docMk/>
+          <pc:sldMk cId="504582835" sldId="312"/>
+        </pc:sldMkLst>
+        <pc:spChg chg="mod">
+          <ac:chgData name="Boas Kalma" userId="2c43c42c076a4e53" providerId="LiveId" clId="{04B74E4A-8F2E-42EC-9916-7E41DC11C6FB}" dt="2018-05-30T06:15:51.280" v="273" actId="20577"/>
+          <ac:spMkLst>
+            <pc:docMk/>
+            <pc:sldMk cId="504582835" sldId="312"/>
+            <ac:spMk id="2" creationId="{34F343EC-C2DF-49B1-9410-B9DDB02B97DE}"/>
+          </ac:spMkLst>
+        </pc:spChg>
+      </pc:sldChg>
+      <pc:sldChg chg="modSp">
+        <pc:chgData name="Boas Kalma" userId="2c43c42c076a4e53" providerId="LiveId" clId="{04B74E4A-8F2E-42EC-9916-7E41DC11C6FB}" dt="2018-05-30T06:15:54.500" v="274" actId="2"/>
+        <pc:sldMkLst>
+          <pc:docMk/>
+          <pc:sldMk cId="869960254" sldId="314"/>
+        </pc:sldMkLst>
+        <pc:spChg chg="mod">
+          <ac:chgData name="Boas Kalma" userId="2c43c42c076a4e53" providerId="LiveId" clId="{04B74E4A-8F2E-42EC-9916-7E41DC11C6FB}" dt="2018-05-30T06:15:54.500" v="274" actId="2"/>
+          <ac:spMkLst>
+            <pc:docMk/>
+            <pc:sldMk cId="869960254" sldId="314"/>
+            <ac:spMk id="2" creationId="{2ABC576A-F5F7-476E-ACED-50EF2DE58172}"/>
+          </ac:spMkLst>
+        </pc:spChg>
+      </pc:sldChg>
+    </pc:docChg>
+  </pc:docChgLst>
+</pc:chgInfo>
 </file>
 
 <file path=ppt/slideLayouts/slideLayout1.xml><?xml version="1.0" encoding="utf-8"?>
@@ -325,7 +1015,7 @@
               <a:rPr lang="nl-NL" smtClean="0"/>
               <a:t>29-5-2018</a:t>
             </a:fld>
-            <a:endParaRPr lang="nl-NL"/>
+            <a:endParaRPr lang="nl-NL" dirty="0"/>
           </a:p>
         </p:txBody>
       </p:sp>
@@ -350,7 +1040,7 @@
           <a:bodyPr/>
           <a:lstStyle/>
           <a:p>
-            <a:endParaRPr lang="nl-NL"/>
+            <a:endParaRPr lang="nl-NL" dirty="0"/>
           </a:p>
         </p:txBody>
       </p:sp>
@@ -379,7 +1069,7 @@
               <a:rPr lang="nl-NL" smtClean="0"/>
               <a:t>‹nr.›</a:t>
             </a:fld>
-            <a:endParaRPr lang="nl-NL"/>
+            <a:endParaRPr lang="nl-NL" dirty="0"/>
           </a:p>
         </p:txBody>
       </p:sp>
@@ -523,7 +1213,7 @@
               <a:rPr lang="nl-NL" smtClean="0"/>
               <a:t>29-5-2018</a:t>
             </a:fld>
-            <a:endParaRPr lang="nl-NL"/>
+            <a:endParaRPr lang="nl-NL" dirty="0"/>
           </a:p>
         </p:txBody>
       </p:sp>
@@ -548,7 +1238,7 @@
           <a:bodyPr/>
           <a:lstStyle/>
           <a:p>
-            <a:endParaRPr lang="nl-NL"/>
+            <a:endParaRPr lang="nl-NL" dirty="0"/>
           </a:p>
         </p:txBody>
       </p:sp>
@@ -577,7 +1267,7 @@
               <a:rPr lang="nl-NL" smtClean="0"/>
               <a:t>‹nr.›</a:t>
             </a:fld>
-            <a:endParaRPr lang="nl-NL"/>
+            <a:endParaRPr lang="nl-NL" dirty="0"/>
           </a:p>
         </p:txBody>
       </p:sp>
@@ -731,7 +1421,7 @@
               <a:rPr lang="nl-NL" smtClean="0"/>
               <a:t>29-5-2018</a:t>
             </a:fld>
-            <a:endParaRPr lang="nl-NL"/>
+            <a:endParaRPr lang="nl-NL" dirty="0"/>
           </a:p>
         </p:txBody>
       </p:sp>
@@ -756,7 +1446,7 @@
           <a:bodyPr/>
           <a:lstStyle/>
           <a:p>
-            <a:endParaRPr lang="nl-NL"/>
+            <a:endParaRPr lang="nl-NL" dirty="0"/>
           </a:p>
         </p:txBody>
       </p:sp>
@@ -785,7 +1475,7 @@
               <a:rPr lang="nl-NL" smtClean="0"/>
               <a:t>‹nr.›</a:t>
             </a:fld>
-            <a:endParaRPr lang="nl-NL"/>
+            <a:endParaRPr lang="nl-NL" dirty="0"/>
           </a:p>
         </p:txBody>
       </p:sp>
@@ -929,7 +1619,7 @@
               <a:rPr lang="nl-NL" smtClean="0"/>
               <a:t>29-5-2018</a:t>
             </a:fld>
-            <a:endParaRPr lang="nl-NL"/>
+            <a:endParaRPr lang="nl-NL" dirty="0"/>
           </a:p>
         </p:txBody>
       </p:sp>
@@ -954,7 +1644,7 @@
           <a:bodyPr/>
           <a:lstStyle/>
           <a:p>
-            <a:endParaRPr lang="nl-NL"/>
+            <a:endParaRPr lang="nl-NL" dirty="0"/>
           </a:p>
         </p:txBody>
       </p:sp>
@@ -983,7 +1673,7 @@
               <a:rPr lang="nl-NL" smtClean="0"/>
               <a:t>‹nr.›</a:t>
             </a:fld>
-            <a:endParaRPr lang="nl-NL"/>
+            <a:endParaRPr lang="nl-NL" dirty="0"/>
           </a:p>
         </p:txBody>
       </p:sp>
@@ -1204,7 +1894,7 @@
               <a:rPr lang="nl-NL" smtClean="0"/>
               <a:t>29-5-2018</a:t>
             </a:fld>
-            <a:endParaRPr lang="nl-NL"/>
+            <a:endParaRPr lang="nl-NL" dirty="0"/>
           </a:p>
         </p:txBody>
       </p:sp>
@@ -1229,7 +1919,7 @@
           <a:bodyPr/>
           <a:lstStyle/>
           <a:p>
-            <a:endParaRPr lang="nl-NL"/>
+            <a:endParaRPr lang="nl-NL" dirty="0"/>
           </a:p>
         </p:txBody>
       </p:sp>
@@ -1258,7 +1948,7 @@
               <a:rPr lang="nl-NL" smtClean="0"/>
               <a:t>‹nr.›</a:t>
             </a:fld>
-            <a:endParaRPr lang="nl-NL"/>
+            <a:endParaRPr lang="nl-NL" dirty="0"/>
           </a:p>
         </p:txBody>
       </p:sp>
@@ -1469,7 +2159,7 @@
               <a:rPr lang="nl-NL" smtClean="0"/>
               <a:t>29-5-2018</a:t>
             </a:fld>
-            <a:endParaRPr lang="nl-NL"/>
+            <a:endParaRPr lang="nl-NL" dirty="0"/>
           </a:p>
         </p:txBody>
       </p:sp>
@@ -1494,7 +2184,7 @@
           <a:bodyPr/>
           <a:lstStyle/>
           <a:p>
-            <a:endParaRPr lang="nl-NL"/>
+            <a:endParaRPr lang="nl-NL" dirty="0"/>
           </a:p>
         </p:txBody>
       </p:sp>
@@ -1523,7 +2213,7 @@
               <a:rPr lang="nl-NL" smtClean="0"/>
               <a:t>‹nr.›</a:t>
             </a:fld>
-            <a:endParaRPr lang="nl-NL"/>
+            <a:endParaRPr lang="nl-NL" dirty="0"/>
           </a:p>
         </p:txBody>
       </p:sp>
@@ -1881,7 +2571,7 @@
               <a:rPr lang="nl-NL" smtClean="0"/>
               <a:t>29-5-2018</a:t>
             </a:fld>
-            <a:endParaRPr lang="nl-NL"/>
+            <a:endParaRPr lang="nl-NL" dirty="0"/>
           </a:p>
         </p:txBody>
       </p:sp>
@@ -1906,7 +2596,7 @@
           <a:bodyPr/>
           <a:lstStyle/>
           <a:p>
-            <a:endParaRPr lang="nl-NL"/>
+            <a:endParaRPr lang="nl-NL" dirty="0"/>
           </a:p>
         </p:txBody>
       </p:sp>
@@ -1935,7 +2625,7 @@
               <a:rPr lang="nl-NL" smtClean="0"/>
               <a:t>‹nr.›</a:t>
             </a:fld>
-            <a:endParaRPr lang="nl-NL"/>
+            <a:endParaRPr lang="nl-NL" dirty="0"/>
           </a:p>
         </p:txBody>
       </p:sp>
@@ -2022,7 +2712,7 @@
               <a:rPr lang="nl-NL" smtClean="0"/>
               <a:t>29-5-2018</a:t>
             </a:fld>
-            <a:endParaRPr lang="nl-NL"/>
+            <a:endParaRPr lang="nl-NL" dirty="0"/>
           </a:p>
         </p:txBody>
       </p:sp>
@@ -2047,7 +2737,7 @@
           <a:bodyPr/>
           <a:lstStyle/>
           <a:p>
-            <a:endParaRPr lang="nl-NL"/>
+            <a:endParaRPr lang="nl-NL" dirty="0"/>
           </a:p>
         </p:txBody>
       </p:sp>
@@ -2076,7 +2766,7 @@
               <a:rPr lang="nl-NL" smtClean="0"/>
               <a:t>‹nr.›</a:t>
             </a:fld>
-            <a:endParaRPr lang="nl-NL"/>
+            <a:endParaRPr lang="nl-NL" dirty="0"/>
           </a:p>
         </p:txBody>
       </p:sp>
@@ -2135,7 +2825,7 @@
               <a:rPr lang="nl-NL" smtClean="0"/>
               <a:t>29-5-2018</a:t>
             </a:fld>
-            <a:endParaRPr lang="nl-NL"/>
+            <a:endParaRPr lang="nl-NL" dirty="0"/>
           </a:p>
         </p:txBody>
       </p:sp>
@@ -2160,7 +2850,7 @@
           <a:bodyPr/>
           <a:lstStyle/>
           <a:p>
-            <a:endParaRPr lang="nl-NL"/>
+            <a:endParaRPr lang="nl-NL" dirty="0"/>
           </a:p>
         </p:txBody>
       </p:sp>
@@ -2189,7 +2879,7 @@
               <a:rPr lang="nl-NL" smtClean="0"/>
               <a:t>‹nr.›</a:t>
             </a:fld>
-            <a:endParaRPr lang="nl-NL"/>
+            <a:endParaRPr lang="nl-NL" dirty="0"/>
           </a:p>
         </p:txBody>
       </p:sp>
@@ -2446,7 +3136,7 @@
               <a:rPr lang="nl-NL" smtClean="0"/>
               <a:t>29-5-2018</a:t>
             </a:fld>
-            <a:endParaRPr lang="nl-NL"/>
+            <a:endParaRPr lang="nl-NL" dirty="0"/>
           </a:p>
         </p:txBody>
       </p:sp>
@@ -2471,7 +3161,7 @@
           <a:bodyPr/>
           <a:lstStyle/>
           <a:p>
-            <a:endParaRPr lang="nl-NL"/>
+            <a:endParaRPr lang="nl-NL" dirty="0"/>
           </a:p>
         </p:txBody>
       </p:sp>
@@ -2500,7 +3190,7 @@
               <a:rPr lang="nl-NL" smtClean="0"/>
               <a:t>‹nr.›</a:t>
             </a:fld>
-            <a:endParaRPr lang="nl-NL"/>
+            <a:endParaRPr lang="nl-NL" dirty="0"/>
           </a:p>
         </p:txBody>
       </p:sp>
@@ -2634,7 +3324,7 @@
             </a:lvl9pPr>
           </a:lstStyle>
           <a:p>
-            <a:endParaRPr lang="nl-NL"/>
+            <a:endParaRPr lang="nl-NL" dirty="0"/>
           </a:p>
         </p:txBody>
       </p:sp>
@@ -2734,7 +3424,7 @@
               <a:rPr lang="nl-NL" smtClean="0"/>
               <a:t>29-5-2018</a:t>
             </a:fld>
-            <a:endParaRPr lang="nl-NL"/>
+            <a:endParaRPr lang="nl-NL" dirty="0"/>
           </a:p>
         </p:txBody>
       </p:sp>
@@ -2759,7 +3449,7 @@
           <a:bodyPr/>
           <a:lstStyle/>
           <a:p>
-            <a:endParaRPr lang="nl-NL"/>
+            <a:endParaRPr lang="nl-NL" dirty="0"/>
           </a:p>
         </p:txBody>
       </p:sp>
@@ -2788,7 +3478,7 @@
               <a:rPr lang="nl-NL" smtClean="0"/>
               <a:t>‹nr.›</a:t>
             </a:fld>
-            <a:endParaRPr lang="nl-NL"/>
+            <a:endParaRPr lang="nl-NL" dirty="0"/>
           </a:p>
         </p:txBody>
       </p:sp>
@@ -2975,7 +3665,7 @@
               <a:rPr lang="nl-NL" smtClean="0"/>
               <a:t>29-5-2018</a:t>
             </a:fld>
-            <a:endParaRPr lang="nl-NL"/>
+            <a:endParaRPr lang="nl-NL" dirty="0"/>
           </a:p>
         </p:txBody>
       </p:sp>
@@ -3018,7 +3708,7 @@
             </a:lvl1pPr>
           </a:lstStyle>
           <a:p>
-            <a:endParaRPr lang="nl-NL"/>
+            <a:endParaRPr lang="nl-NL" dirty="0"/>
           </a:p>
         </p:txBody>
       </p:sp>
@@ -3065,7 +3755,7 @@
               <a:rPr lang="nl-NL" smtClean="0"/>
               <a:t>‹nr.›</a:t>
             </a:fld>
-            <a:endParaRPr lang="nl-NL"/>
+            <a:endParaRPr lang="nl-NL" dirty="0"/>
           </a:p>
         </p:txBody>
       </p:sp>
@@ -3676,15 +4366,7 @@
             </a:pPr>
             <a:r>
               <a:rPr lang="nl-NL" dirty="0"/>
-              <a:t>Zeer snel, omdat alles direct verstuurd kan worden zonder tussen </a:t>
-            </a:r>
-            <a:r>
-              <a:rPr lang="nl-NL" dirty="0" err="1"/>
-              <a:t>stops</a:t>
-            </a:r>
-            <a:r>
-              <a:rPr lang="nl-NL" dirty="0"/>
-              <a:t>.</a:t>
+              <a:t>Zeer snel, omdat alles direct verstuurd kan worden zonder tussenstops.</a:t>
             </a:r>
           </a:p>
         </p:txBody>
@@ -4322,26 +5004,9 @@
           <a:lstStyle/>
           <a:p>
             <a:r>
-              <a:rPr lang="nl-NL" dirty="0" err="1"/>
-              <a:t>Tcp</a:t>
-            </a:r>
-            <a:r>
-              <a:rPr lang="nl-NL" dirty="0"/>
-              <a:t> </a:t>
-            </a:r>
-            <a:r>
-              <a:rPr lang="nl-NL" dirty="0" err="1"/>
-              <a:t>vs</a:t>
-            </a:r>
-            <a:r>
-              <a:rPr lang="nl-NL" dirty="0"/>
-              <a:t> </a:t>
-            </a:r>
-            <a:r>
-              <a:rPr lang="nl-NL" dirty="0" err="1"/>
-              <a:t>udp</a:t>
-            </a:r>
-            <a:endParaRPr lang="nl-NL" dirty="0"/>
+              <a:rPr lang="nl-NL" dirty="0"/>
+              <a:t>TCP VS UDP</a:t>
+            </a:r>
           </a:p>
         </p:txBody>
       </p:sp>
@@ -4432,26 +5097,9 @@
           <a:lstStyle/>
           <a:p>
             <a:r>
-              <a:rPr lang="nl-NL" dirty="0" err="1"/>
-              <a:t>Tcp</a:t>
-            </a:r>
-            <a:r>
-              <a:rPr lang="nl-NL" dirty="0"/>
-              <a:t> </a:t>
-            </a:r>
-            <a:r>
-              <a:rPr lang="nl-NL" dirty="0" err="1"/>
-              <a:t>vs</a:t>
-            </a:r>
-            <a:r>
-              <a:rPr lang="nl-NL" dirty="0"/>
-              <a:t> </a:t>
-            </a:r>
-            <a:r>
-              <a:rPr lang="nl-NL" dirty="0" err="1"/>
-              <a:t>udp</a:t>
-            </a:r>
-            <a:endParaRPr lang="nl-NL" dirty="0"/>
+              <a:rPr lang="nl-NL" dirty="0"/>
+              <a:t>TCP VS UDP</a:t>
+            </a:r>
           </a:p>
         </p:txBody>
       </p:sp>
@@ -4487,20 +5135,8 @@
               <a:buNone/>
             </a:pPr>
             <a:r>
-              <a:rPr lang="nl-NL" dirty="0" err="1"/>
-              <a:t>Tcp</a:t>
-            </a:r>
-            <a:r>
-              <a:rPr lang="nl-NL" dirty="0"/>
-              <a:t> en </a:t>
-            </a:r>
-            <a:r>
-              <a:rPr lang="nl-NL" dirty="0" err="1"/>
-              <a:t>udp</a:t>
-            </a:r>
-            <a:r>
-              <a:rPr lang="nl-NL" dirty="0"/>
-              <a:t> zijn allebei protocollen om verbinding tussen twee apparaten te maken. Ze hebben allebei voordelen en nadelen die hier onder verder worden uitgelegd.</a:t>
+              <a:rPr lang="nl-NL" dirty="0"/>
+              <a:t>TCP en UDP zijn allebei protocollen om verbinding tussen twee apparaten te maken. Ze hebben allebei voordelen en nadelen die hier onder verder worden uitgelegd.</a:t>
             </a:r>
           </a:p>
         </p:txBody>
@@ -4534,10 +5170,9 @@
           <a:lstStyle/>
           <a:p>
             <a:r>
-              <a:rPr lang="nl-NL" dirty="0" err="1"/>
-              <a:t>Tcp</a:t>
-            </a:r>
-            <a:endParaRPr lang="nl-NL" dirty="0"/>
+              <a:rPr lang="nl-NL" dirty="0"/>
+              <a:t>TCP</a:t>
+            </a:r>
           </a:p>
           <a:p>
             <a:pPr marL="285750" indent="-285750">
@@ -4546,7 +5181,7 @@
             </a:pPr>
             <a:r>
               <a:rPr lang="nl-NL" dirty="0"/>
-              <a:t>Relatief veel overhead</a:t>
+              <a:t>Relatief veel overhead.</a:t>
             </a:r>
           </a:p>
           <a:p>
@@ -4556,7 +5191,7 @@
             </a:pPr>
             <a:r>
               <a:rPr lang="nl-NL" dirty="0"/>
-              <a:t>Gegarandeerde aflevering</a:t>
+              <a:t>Gegarandeerde aflevering.</a:t>
             </a:r>
           </a:p>
           <a:p>
@@ -4566,7 +5201,7 @@
             </a:pPr>
             <a:r>
               <a:rPr lang="nl-NL" dirty="0"/>
-              <a:t>Controle of ontvangen data juist is</a:t>
+              <a:t>Controle of ontvangen data juist is.</a:t>
             </a:r>
           </a:p>
           <a:p>
@@ -4576,13 +5211,8 @@
             </a:pPr>
             <a:r>
               <a:rPr lang="nl-NL" dirty="0"/>
-              <a:t>Trager dan </a:t>
-            </a:r>
-            <a:r>
-              <a:rPr lang="nl-NL" dirty="0" err="1"/>
-              <a:t>udp</a:t>
-            </a:r>
-            <a:endParaRPr lang="nl-NL" dirty="0"/>
+              <a:t>Trager dan UDP.</a:t>
+            </a:r>
           </a:p>
         </p:txBody>
       </p:sp>
@@ -4615,10 +5245,9 @@
           <a:lstStyle/>
           <a:p>
             <a:r>
-              <a:rPr lang="nl-NL" dirty="0" err="1"/>
-              <a:t>Udp</a:t>
-            </a:r>
-            <a:endParaRPr lang="nl-NL" dirty="0"/>
+              <a:rPr lang="nl-NL" dirty="0"/>
+              <a:t>UDP</a:t>
+            </a:r>
           </a:p>
           <a:p>
             <a:pPr marL="285750" indent="-285750">
@@ -4627,7 +5256,7 @@
             </a:pPr>
             <a:r>
               <a:rPr lang="nl-NL" dirty="0"/>
-              <a:t>Weinig overhead</a:t>
+              <a:t>Weinig overhead.</a:t>
             </a:r>
           </a:p>
           <a:p>
@@ -4637,7 +5266,7 @@
             </a:pPr>
             <a:r>
               <a:rPr lang="nl-NL" dirty="0"/>
-              <a:t>Geen gegarandeerde aflevering</a:t>
+              <a:t>Geen gegarandeerde aflevering.</a:t>
             </a:r>
           </a:p>
           <a:p>
@@ -4647,7 +5276,7 @@
             </a:pPr>
             <a:r>
               <a:rPr lang="nl-NL" dirty="0"/>
-              <a:t>Geen controle op ontvangen data</a:t>
+              <a:t>Geen controle op ontvangen data.</a:t>
             </a:r>
           </a:p>
           <a:p>
@@ -4657,13 +5286,8 @@
             </a:pPr>
             <a:r>
               <a:rPr lang="nl-NL" dirty="0"/>
-              <a:t>Sneller dan </a:t>
-            </a:r>
-            <a:r>
-              <a:rPr lang="nl-NL" dirty="0" err="1"/>
-              <a:t>tcp</a:t>
-            </a:r>
-            <a:endParaRPr lang="nl-NL" dirty="0"/>
+              <a:t>Sneller dan TCP.</a:t>
+            </a:r>
           </a:p>
         </p:txBody>
       </p:sp>
@@ -4751,23 +5375,7 @@
             </a:pPr>
             <a:r>
               <a:rPr lang="nl-NL" dirty="0"/>
-              <a:t>Ik adviseer om </a:t>
-            </a:r>
-            <a:r>
-              <a:rPr lang="nl-NL" dirty="0" err="1"/>
-              <a:t>tcp</a:t>
-            </a:r>
-            <a:r>
-              <a:rPr lang="nl-NL" dirty="0"/>
-              <a:t> te gebruiken in dit project, dit omdat bij </a:t>
-            </a:r>
-            <a:r>
-              <a:rPr lang="nl-NL" dirty="0" err="1"/>
-              <a:t>tcp</a:t>
-            </a:r>
-            <a:r>
-              <a:rPr lang="nl-NL" dirty="0"/>
-              <a:t> gekeken word of de data die verstuurd is ook daadwerkelijk aankomt bij de ontvanger en de ontvanger kan controleren of de aangekomen data klopt.</a:t>
+              <a:t>Ik adviseer om TCP te gebruiken in dit project, dit omdat bij TCP gekeken word of de data die verstuurd is ook daadwerkelijk aankomt bij de ontvanger en de ontvanger kan controleren of de aangekomen data klopt.</a:t>
             </a:r>
           </a:p>
         </p:txBody>
@@ -4967,10 +5575,9 @@
           </a:p>
           <a:p>
             <a:r>
-              <a:rPr lang="nl-NL" dirty="0" err="1"/>
-              <a:t>Mqtt</a:t>
-            </a:r>
-            <a:endParaRPr lang="nl-NL" dirty="0"/>
+              <a:rPr lang="nl-NL" dirty="0"/>
+              <a:t>MQTT</a:t>
+            </a:r>
           </a:p>
           <a:p>
             <a:r>
@@ -4980,10 +5587,9 @@
           </a:p>
           <a:p>
             <a:r>
-              <a:rPr lang="nl-NL" dirty="0" err="1"/>
+              <a:rPr lang="nl-NL" dirty="0"/>
               <a:t>spdy</a:t>
             </a:r>
-            <a:endParaRPr lang="nl-NL" dirty="0"/>
           </a:p>
           <a:p>
             <a:endParaRPr lang="nl-NL" dirty="0"/>
@@ -5126,7 +5732,7 @@
             </a:pPr>
             <a:r>
               <a:rPr lang="nl-NL" dirty="0"/>
-              <a:t>Veel gebruikt</a:t>
+              <a:t>Veel gebruikt.</a:t>
             </a:r>
           </a:p>
           <a:p>
@@ -5136,21 +5742,8 @@
             </a:pPr>
             <a:r>
               <a:rPr lang="nl-NL" dirty="0"/>
-              <a:t>Makkelijk te versleutelen met </a:t>
-            </a:r>
-            <a:r>
-              <a:rPr lang="nl-NL" dirty="0" err="1"/>
-              <a:t>ssl</a:t>
-            </a:r>
-            <a:r>
-              <a:rPr lang="nl-NL" dirty="0"/>
-              <a:t>/</a:t>
-            </a:r>
-            <a:r>
-              <a:rPr lang="nl-NL" dirty="0" err="1"/>
-              <a:t>tls</a:t>
-            </a:r>
-            <a:endParaRPr lang="nl-NL" dirty="0"/>
+              <a:t>Makkelijk te versleutelen met SSL/TLS.</a:t>
+            </a:r>
           </a:p>
         </p:txBody>
       </p:sp>
@@ -5194,7 +5787,7 @@
             </a:pPr>
             <a:r>
               <a:rPr lang="nl-NL" dirty="0"/>
-              <a:t>Veel overhead</a:t>
+              <a:t>Veel overhead.</a:t>
             </a:r>
           </a:p>
           <a:p>
@@ -5214,15 +5807,7 @@
             </a:pPr>
             <a:r>
               <a:rPr lang="nl-NL" dirty="0"/>
-              <a:t>Voor het verbinden over </a:t>
-            </a:r>
-            <a:r>
-              <a:rPr lang="nl-NL" dirty="0" err="1"/>
-              <a:t>tls</a:t>
-            </a:r>
-            <a:r>
-              <a:rPr lang="nl-NL" dirty="0"/>
-              <a:t> is een certificaat beheerder nodig.</a:t>
+              <a:t>Voor het verbinden over TLS is een certificaat beheerder nodig.</a:t>
             </a:r>
           </a:p>
         </p:txBody>
@@ -5335,26 +5920,9 @@
           <a:p>
             <a:pPr lvl="1"/>
             <a:r>
-              <a:rPr lang="nl-NL" dirty="0" err="1"/>
-              <a:t>Tcp</a:t>
-            </a:r>
-            <a:r>
-              <a:rPr lang="nl-NL" dirty="0"/>
-              <a:t> </a:t>
-            </a:r>
-            <a:r>
-              <a:rPr lang="nl-NL" dirty="0" err="1"/>
-              <a:t>vs</a:t>
-            </a:r>
-            <a:r>
-              <a:rPr lang="nl-NL" dirty="0"/>
-              <a:t> </a:t>
-            </a:r>
-            <a:r>
-              <a:rPr lang="nl-NL" dirty="0" err="1"/>
-              <a:t>udp</a:t>
-            </a:r>
-            <a:endParaRPr lang="nl-NL" dirty="0"/>
+              <a:rPr lang="nl-NL" dirty="0"/>
+              <a:t>TCP VS UDP</a:t>
+            </a:r>
           </a:p>
           <a:p>
             <a:pPr lvl="1"/>
@@ -5441,10 +6009,9 @@
           <a:lstStyle/>
           <a:p>
             <a:r>
-              <a:rPr lang="nl-NL" dirty="0" err="1"/>
-              <a:t>mqtt</a:t>
-            </a:r>
-            <a:endParaRPr lang="nl-NL" dirty="0"/>
+              <a:rPr lang="nl-NL" dirty="0"/>
+              <a:t>MQTT</a:t>
+            </a:r>
           </a:p>
         </p:txBody>
       </p:sp>
@@ -5480,16 +6047,12 @@
               <a:buNone/>
             </a:pPr>
             <a:r>
-              <a:rPr lang="nl-NL" dirty="0" err="1"/>
-              <a:t>Mqtt</a:t>
-            </a:r>
-            <a:r>
-              <a:rPr lang="nl-NL" dirty="0"/>
-              <a:t> is een protocol dat vooral is ontworpen om zo ligt mogelijk te zijn en is vooral bedoeld voor het internet of </a:t>
-            </a:r>
-            <a:r>
-              <a:rPr lang="nl-NL" dirty="0" err="1"/>
-              <a:t>things</a:t>
+              <a:rPr lang="nl-NL" dirty="0"/>
+              <a:t>MQTT is een protocol dat vooral is ontworpen om zo ligt mogelijk te zijn en is vooral bedoeld voor het </a:t>
+            </a:r>
+            <a:r>
+              <a:rPr lang="en-GB" dirty="0"/>
+              <a:t>internet of things</a:t>
             </a:r>
             <a:r>
               <a:rPr lang="nl-NL" dirty="0"/>
@@ -5603,19 +6166,11 @@
             </a:pPr>
             <a:r>
               <a:rPr lang="nl-NL" dirty="0"/>
-              <a:t>Moeilijk te beveiligen tegen “man in </a:t>
-            </a:r>
-            <a:r>
-              <a:rPr lang="nl-NL" dirty="0" err="1"/>
-              <a:t>the</a:t>
-            </a:r>
-            <a:r>
-              <a:rPr lang="nl-NL" dirty="0"/>
-              <a:t> </a:t>
-            </a:r>
-            <a:r>
-              <a:rPr lang="nl-NL" dirty="0" err="1"/>
-              <a:t>middle</a:t>
+              <a:t>Moeilijk te beveiligen tegen “</a:t>
+            </a:r>
+            <a:r>
+              <a:rPr lang="en-GB" dirty="0"/>
+              <a:t>man in the middle</a:t>
             </a:r>
             <a:r>
               <a:rPr lang="nl-NL" dirty="0"/>
@@ -5842,15 +6397,7 @@
             </a:pPr>
             <a:r>
               <a:rPr lang="nl-NL" dirty="0"/>
-              <a:t>Voor het verbinden over </a:t>
-            </a:r>
-            <a:r>
-              <a:rPr lang="nl-NL" dirty="0" err="1"/>
-              <a:t>tls</a:t>
-            </a:r>
-            <a:r>
-              <a:rPr lang="nl-NL" dirty="0"/>
-              <a:t> is een certificaat beheerder nodig.</a:t>
+              <a:t>Voor het verbinden over TLS is een certificaat beheerder nodig.</a:t>
             </a:r>
           </a:p>
           <a:p>
@@ -5914,10 +6461,9 @@
           <a:lstStyle/>
           <a:p>
             <a:r>
-              <a:rPr lang="nl-NL" dirty="0" err="1"/>
+              <a:rPr lang="nl-NL" dirty="0"/>
               <a:t>spdy</a:t>
             </a:r>
-            <a:endParaRPr lang="nl-NL" dirty="0"/>
           </a:p>
         </p:txBody>
       </p:sp>
@@ -5953,15 +6499,11 @@
               <a:buNone/>
             </a:pPr>
             <a:r>
-              <a:rPr lang="nl-NL" dirty="0" err="1"/>
-              <a:t>Spdy</a:t>
-            </a:r>
-            <a:r>
-              <a:rPr lang="nl-NL" dirty="0"/>
-              <a:t> (spreek uit </a:t>
-            </a:r>
-            <a:r>
-              <a:rPr lang="nl-NL" dirty="0" err="1"/>
+              <a:rPr lang="nl-NL" dirty="0"/>
+              <a:t>Spdy (spreek uit </a:t>
+            </a:r>
+            <a:r>
+              <a:rPr lang="en-GB" dirty="0"/>
               <a:t>speedy</a:t>
             </a:r>
             <a:r>
@@ -6063,15 +6605,7 @@
             </a:pPr>
             <a:r>
               <a:rPr lang="nl-NL" dirty="0"/>
-              <a:t>Is nog in </a:t>
-            </a:r>
-            <a:r>
-              <a:rPr lang="nl-NL" dirty="0" err="1"/>
-              <a:t>beta</a:t>
-            </a:r>
-            <a:r>
-              <a:rPr lang="nl-NL" dirty="0"/>
-              <a:t> fase.</a:t>
+              <a:t>Is nog in bèta fase.</a:t>
             </a:r>
           </a:p>
           <a:p>
@@ -6170,31 +6704,7 @@
             </a:pPr>
             <a:r>
               <a:rPr lang="nl-NL" dirty="0"/>
-              <a:t>Ik adviseer om http te gebruiken, dit omdat het voor deze applicatie beter werkt dan email en veiliger is dan </a:t>
-            </a:r>
-            <a:r>
-              <a:rPr lang="nl-NL" dirty="0" err="1"/>
-              <a:t>mqtt</a:t>
-            </a:r>
-            <a:r>
-              <a:rPr lang="nl-NL" dirty="0"/>
-              <a:t>. http is misschien langzamer dan </a:t>
-            </a:r>
-            <a:r>
-              <a:rPr lang="nl-NL" dirty="0" err="1"/>
-              <a:t>spdy</a:t>
-            </a:r>
-            <a:r>
-              <a:rPr lang="nl-NL" dirty="0"/>
-              <a:t> maar er is in ieder geval nog support voor. Als ik http met </a:t>
-            </a:r>
-            <a:r>
-              <a:rPr lang="nl-NL" dirty="0" err="1"/>
-              <a:t>mqtt</a:t>
-            </a:r>
-            <a:r>
-              <a:rPr lang="nl-NL" dirty="0"/>
-              <a:t> vergelijk vindt ik dat de extra veiligheid zwaarder weegt dan een pin automaat die net iets sneller werkt.</a:t>
+              <a:t>Ik adviseer om http te gebruiken, dit omdat het voor deze applicatie beter werkt dan email en veiliger is dan MQTT. http is misschien langzamer dan spdy maar er is in ieder geval nog support voor. Als ik http met MQTT vergelijk vindt ik dat de extra veiligheid zwaarder weegt dan een pin automaat die net iets sneller werkt.</a:t>
             </a:r>
           </a:p>
         </p:txBody>
@@ -6448,12 +6958,8 @@
               <a:buChar char="•"/>
             </a:pPr>
             <a:r>
-              <a:rPr lang="nl-NL" dirty="0" err="1"/>
-              <a:t>Tls</a:t>
-            </a:r>
-            <a:r>
-              <a:rPr lang="nl-NL" dirty="0"/>
-              <a:t> 1.2</a:t>
+              <a:rPr lang="nl-NL" dirty="0"/>
+              <a:t>TLS 1.2</a:t>
             </a:r>
           </a:p>
           <a:p>
@@ -6462,12 +6968,8 @@
               <a:buChar char="•"/>
             </a:pPr>
             <a:r>
-              <a:rPr lang="nl-NL" dirty="0" err="1"/>
-              <a:t>Tls</a:t>
-            </a:r>
-            <a:r>
-              <a:rPr lang="nl-NL" dirty="0"/>
-              <a:t> 1.3</a:t>
+              <a:rPr lang="nl-NL" dirty="0"/>
+              <a:t>TLS 1.3</a:t>
             </a:r>
           </a:p>
           <a:p>
@@ -6538,10 +7040,9 @@
               <a:buChar char="•"/>
             </a:pPr>
             <a:r>
-              <a:rPr lang="nl-NL" dirty="0" err="1"/>
+              <a:rPr lang="nl-NL" dirty="0"/>
               <a:t>Hashing</a:t>
             </a:r>
-            <a:endParaRPr lang="nl-NL" dirty="0"/>
           </a:p>
           <a:p>
             <a:pPr marL="285750" indent="-285750">
@@ -6549,18 +7050,9 @@
               <a:buChar char="•"/>
             </a:pPr>
             <a:r>
-              <a:rPr lang="nl-NL" dirty="0" err="1"/>
-              <a:t>Hashing</a:t>
-            </a:r>
-            <a:r>
-              <a:rPr lang="nl-NL" dirty="0"/>
-              <a:t> en </a:t>
-            </a:r>
-            <a:r>
-              <a:rPr lang="nl-NL" dirty="0" err="1"/>
-              <a:t>salting</a:t>
-            </a:r>
-            <a:endParaRPr lang="nl-NL" dirty="0"/>
+              <a:rPr lang="nl-NL" dirty="0"/>
+              <a:t>Hashing en salting</a:t>
+            </a:r>
           </a:p>
           <a:p>
             <a:pPr marL="285750" indent="-285750">
@@ -6824,15 +7316,7 @@
             </a:pPr>
             <a:r>
               <a:rPr lang="nl-NL" dirty="0"/>
-              <a:t>Geen processorkracht nodig de gegevens te “</a:t>
-            </a:r>
-            <a:r>
-              <a:rPr lang="nl-NL" dirty="0" err="1"/>
-              <a:t>ontsleutelen</a:t>
-            </a:r>
-            <a:r>
-              <a:rPr lang="nl-NL" dirty="0"/>
-              <a:t>”</a:t>
+              <a:t>Geen processorkracht nodig de gegevens te “ontsleutelen”.</a:t>
             </a:r>
           </a:p>
         </p:txBody>
@@ -6944,12 +7428,8 @@
           <a:lstStyle/>
           <a:p>
             <a:r>
-              <a:rPr lang="nl-NL" dirty="0" err="1"/>
-              <a:t>ssl</a:t>
-            </a:r>
-            <a:r>
-              <a:rPr lang="nl-NL" dirty="0"/>
-              <a:t> versleuteling op de verbinding.</a:t>
+              <a:rPr lang="nl-NL" dirty="0"/>
+              <a:t>SSL versleuteling op de verbinding.</a:t>
             </a:r>
           </a:p>
         </p:txBody>
@@ -6986,36 +7466,16 @@
               <a:buNone/>
             </a:pPr>
             <a:r>
-              <a:rPr lang="nl-NL" dirty="0" err="1"/>
-              <a:t>Ssl</a:t>
-            </a:r>
-            <a:r>
-              <a:rPr lang="nl-NL" dirty="0"/>
-              <a:t> staat voor secure sockets </a:t>
-            </a:r>
-            <a:r>
-              <a:rPr lang="nl-NL" dirty="0" err="1"/>
-              <a:t>layer</a:t>
-            </a:r>
-            <a:r>
-              <a:rPr lang="nl-NL" dirty="0"/>
-              <a:t> en beveiligd verbindingen tussen twee </a:t>
-            </a:r>
-            <a:r>
-              <a:rPr lang="nl-NL" dirty="0" err="1"/>
-              <a:t>apperaten</a:t>
-            </a:r>
-            <a:r>
-              <a:rPr lang="nl-NL" dirty="0"/>
-              <a:t>. </a:t>
-            </a:r>
-            <a:r>
-              <a:rPr lang="nl-NL" dirty="0" err="1"/>
-              <a:t>Ssl</a:t>
-            </a:r>
-            <a:r>
-              <a:rPr lang="nl-NL" dirty="0"/>
-              <a:t> was de eerste veel gebruikt manier om gegevens veilig tussen twee apparaten te versturen.</a:t>
+              <a:rPr lang="nl-NL" dirty="0"/>
+              <a:t>SSL staat voor </a:t>
+            </a:r>
+            <a:r>
+              <a:rPr lang="en-GB" dirty="0"/>
+              <a:t>secure sockets layer </a:t>
+            </a:r>
+            <a:r>
+              <a:rPr lang="nl-NL" dirty="0"/>
+              <a:t>en beveiligd verbindingen tussen twee apparaten. SSL was de eerste veel gebruikt manier om gegevens veilig tussen twee apparaten te versturen.</a:t>
             </a:r>
           </a:p>
           <a:p>
@@ -7066,15 +7526,7 @@
             </a:pPr>
             <a:r>
               <a:rPr lang="nl-NL" dirty="0"/>
-              <a:t>Kost minder processor kracht dan </a:t>
-            </a:r>
-            <a:r>
-              <a:rPr lang="nl-NL" dirty="0" err="1"/>
-              <a:t>tls</a:t>
-            </a:r>
-            <a:r>
-              <a:rPr lang="nl-NL" dirty="0"/>
-              <a:t>. </a:t>
+              <a:t>Kost minder processor kracht dan TLS. </a:t>
             </a:r>
           </a:p>
           <a:p>
@@ -7126,15 +7578,7 @@
             </a:pPr>
             <a:r>
               <a:rPr lang="nl-NL" dirty="0"/>
-              <a:t>Alle </a:t>
-            </a:r>
-            <a:r>
-              <a:rPr lang="nl-NL" dirty="0" err="1"/>
-              <a:t>ssl</a:t>
-            </a:r>
-            <a:r>
-              <a:rPr lang="nl-NL" dirty="0"/>
-              <a:t> versies zijn inmiddels verboden om te gebruiken omdat ze te onveilig zijn.</a:t>
+              <a:t>Alle SSL versies zijn inmiddels verboden om te gebruiken omdat ze te onveilig zijn.</a:t>
             </a:r>
           </a:p>
         </p:txBody>
@@ -7191,12 +7635,8 @@
           <a:lstStyle/>
           <a:p>
             <a:r>
-              <a:rPr lang="nl-NL" dirty="0" err="1"/>
-              <a:t>Tls</a:t>
-            </a:r>
-            <a:r>
-              <a:rPr lang="nl-NL" dirty="0"/>
-              <a:t> 1.2 versleuteling op de verbinding.</a:t>
+              <a:rPr lang="nl-NL" dirty="0"/>
+              <a:t>TLS 1.2 versleuteling op de verbinding.</a:t>
             </a:r>
           </a:p>
         </p:txBody>
@@ -7233,36 +7673,8 @@
               <a:buNone/>
             </a:pPr>
             <a:r>
-              <a:rPr lang="nl-NL" dirty="0" err="1"/>
-              <a:t>Tls</a:t>
-            </a:r>
-            <a:r>
-              <a:rPr lang="nl-NL" dirty="0"/>
-              <a:t> 1.2 is de opvolger van </a:t>
-            </a:r>
-            <a:r>
-              <a:rPr lang="nl-NL" dirty="0" err="1"/>
-              <a:t>tls</a:t>
-            </a:r>
-            <a:r>
-              <a:rPr lang="nl-NL" dirty="0"/>
-              <a:t> 1.1, 1.0 en </a:t>
-            </a:r>
-            <a:r>
-              <a:rPr lang="nl-NL" dirty="0" err="1"/>
-              <a:t>ssl</a:t>
-            </a:r>
-            <a:r>
-              <a:rPr lang="nl-NL" dirty="0"/>
-              <a:t>, deze </a:t>
-            </a:r>
-            <a:r>
-              <a:rPr lang="nl-NL" dirty="0" err="1"/>
-              <a:t>versleutelings</a:t>
-            </a:r>
-            <a:r>
-              <a:rPr lang="nl-NL" dirty="0"/>
-              <a:t> methodes noem ik nu niet hier omdat ze allemaal verouderd en daarom niet meer veilig zijn.</a:t>
+              <a:rPr lang="nl-NL" dirty="0"/>
+              <a:t>TLS 1.2 is de opvolger van TLS 1.1, 1.0 en SSL, deze versleutelingsmethodes noem ik nu niet hier omdat ze allemaal verouderd en daarom niet meer veilig zijn.</a:t>
             </a:r>
           </a:p>
           <a:p>
@@ -7313,15 +7725,7 @@
             </a:pPr>
             <a:r>
               <a:rPr lang="nl-NL" dirty="0"/>
-              <a:t>Langer in gebruik en </a:t>
-            </a:r>
-            <a:r>
-              <a:rPr lang="nl-NL" dirty="0" err="1"/>
-              <a:t>darom</a:t>
-            </a:r>
-            <a:r>
-              <a:rPr lang="nl-NL" dirty="0"/>
-              <a:t> beter begrepen door ict’ers.</a:t>
+              <a:t>Langer in gebruik en daarom beter begrepen door ict’ers.</a:t>
             </a:r>
           </a:p>
           <a:p>
@@ -7523,12 +7927,8 @@
           <a:lstStyle/>
           <a:p>
             <a:r>
-              <a:rPr lang="nl-NL" dirty="0" err="1"/>
-              <a:t>Tls</a:t>
-            </a:r>
-            <a:r>
-              <a:rPr lang="nl-NL" dirty="0"/>
-              <a:t> 1.3 versleuteling op de verbinding.</a:t>
+              <a:rPr lang="nl-NL" dirty="0"/>
+              <a:t>TLS 1.3 versleuteling op de verbinding.</a:t>
             </a:r>
           </a:p>
         </p:txBody>
@@ -7565,20 +7965,8 @@
               <a:buNone/>
             </a:pPr>
             <a:r>
-              <a:rPr lang="nl-NL" dirty="0" err="1"/>
-              <a:t>Tls</a:t>
-            </a:r>
-            <a:r>
-              <a:rPr lang="nl-NL" dirty="0"/>
-              <a:t> 1.3 is de opvolger van </a:t>
-            </a:r>
-            <a:r>
-              <a:rPr lang="nl-NL" dirty="0" err="1"/>
-              <a:t>tls</a:t>
-            </a:r>
-            <a:r>
-              <a:rPr lang="nl-NL" dirty="0"/>
-              <a:t> 1.2 en is daarom weer een stukje beter beveiligd, het is echter pas twee maanden erkent als officieel onderdeel van het internet..</a:t>
+              <a:rPr lang="nl-NL" dirty="0"/>
+              <a:t>TLS 1.3 is de opvolger van TLS 1.2 en is daarom weer een stukje beter beveiligd, het is echter pas twee maanden erkent als officieel onderdeel van het internet..</a:t>
             </a:r>
           </a:p>
           <a:p>
@@ -7629,15 +8017,7 @@
             </a:pPr>
             <a:r>
               <a:rPr lang="nl-NL" dirty="0"/>
-              <a:t>Weer net een stukje veiliger dan </a:t>
-            </a:r>
-            <a:r>
-              <a:rPr lang="nl-NL" dirty="0" err="1"/>
-              <a:t>tls</a:t>
-            </a:r>
-            <a:r>
-              <a:rPr lang="nl-NL" dirty="0"/>
-              <a:t> 1.2.</a:t>
+              <a:t>Weer net een stukje veiliger dan TLS 1.2.</a:t>
             </a:r>
           </a:p>
           <a:p>
@@ -7647,15 +8027,7 @@
             </a:pPr>
             <a:r>
               <a:rPr lang="nl-NL" dirty="0"/>
-              <a:t>Sneller dan </a:t>
-            </a:r>
-            <a:r>
-              <a:rPr lang="nl-NL" dirty="0" err="1"/>
-              <a:t>tls</a:t>
-            </a:r>
-            <a:r>
-              <a:rPr lang="nl-NL" dirty="0"/>
-              <a:t> 1.2.</a:t>
+              <a:t>Sneller dan TLS 1.2.</a:t>
             </a:r>
           </a:p>
         </p:txBody>
@@ -7789,31 +8161,7 @@
             </a:pPr>
             <a:r>
               <a:rPr lang="nl-NL" dirty="0"/>
-              <a:t>Ik adviseer om </a:t>
-            </a:r>
-            <a:r>
-              <a:rPr lang="nl-NL" dirty="0" err="1"/>
-              <a:t>tls</a:t>
-            </a:r>
-            <a:r>
-              <a:rPr lang="nl-NL" dirty="0"/>
-              <a:t> 1.3 te gebruiken als </a:t>
-            </a:r>
-            <a:r>
-              <a:rPr lang="nl-NL" dirty="0" err="1"/>
-              <a:t>versleutelings</a:t>
-            </a:r>
-            <a:r>
-              <a:rPr lang="nl-NL" dirty="0"/>
-              <a:t> techniek. Ondanks dat het nog in de kinderschoenen staat, ben ik er van overtuigd dat de extra veiligheid het waard is. Om een goede </a:t>
-            </a:r>
-            <a:r>
-              <a:rPr lang="nl-NL" dirty="0" err="1"/>
-              <a:t>tls</a:t>
-            </a:r>
-            <a:r>
-              <a:rPr lang="nl-NL" dirty="0"/>
-              <a:t> verbinding op te zetten moeten de certificaten worden beheerd door een certificaat autoriteit, dit moet een lossen centrale server zijn.</a:t>
+              <a:t>Ik adviseer om TLS 1.3 te gebruiken als versleutelingstechniek. Ondanks dat het nog in de kinderschoenen staat, ben ik er van overtuigd dat de extra veiligheid het waard is. Om een goede TLS verbinding op te zetten moeten de certificaten worden beheerd door een certificaat autoriteit, dit moet een lossen centrale server zijn.</a:t>
             </a:r>
           </a:p>
         </p:txBody>
@@ -7902,7 +8250,7 @@
           <a:bodyPr/>
           <a:lstStyle/>
           <a:p>
-            <a:endParaRPr lang="nl-NL"/>
+            <a:endParaRPr lang="nl-NL" dirty="0"/>
           </a:p>
         </p:txBody>
       </p:sp>
@@ -8088,15 +8436,7 @@
             </a:pPr>
             <a:r>
               <a:rPr lang="nl-NL" dirty="0"/>
-              <a:t>Geen processorkracht nodig de gegevens te “</a:t>
-            </a:r>
-            <a:r>
-              <a:rPr lang="nl-NL" dirty="0" err="1"/>
-              <a:t>ontsleutelen</a:t>
-            </a:r>
-            <a:r>
-              <a:rPr lang="nl-NL" dirty="0"/>
-              <a:t>”</a:t>
+              <a:t>Geen processorkracht nodig de gegevens te “ontsleutelen”.</a:t>
             </a:r>
           </a:p>
         </p:txBody>
@@ -8237,15 +8577,7 @@
             </a:pPr>
             <a:r>
               <a:rPr lang="nl-NL" dirty="0"/>
-              <a:t>Bij symmetrische versleuteling worden gegevens versleuteld met een sleutel, de sleutel die nodig is om te </a:t>
-            </a:r>
-            <a:r>
-              <a:rPr lang="nl-NL" dirty="0" err="1"/>
-              <a:t>ontsleutelen</a:t>
-            </a:r>
-            <a:r>
-              <a:rPr lang="nl-NL" dirty="0"/>
-              <a:t> is het zelfde. </a:t>
+              <a:t>Bij symmetrische versleuteling worden gegevens versleuteld met een sleutel, de sleutel die nodig is om te ontsleutelen is het zelfde. </a:t>
             </a:r>
           </a:p>
         </p:txBody>
@@ -8290,15 +8622,7 @@
             </a:pPr>
             <a:r>
               <a:rPr lang="nl-NL" dirty="0"/>
-              <a:t>Veiliger dan </a:t>
-            </a:r>
-            <a:r>
-              <a:rPr lang="nl-NL" dirty="0" err="1"/>
-              <a:t>onversleuteld</a:t>
-            </a:r>
-            <a:r>
-              <a:rPr lang="nl-NL" dirty="0"/>
-              <a:t> opslaan.</a:t>
+              <a:t>Veiliger dan on versleuteld opslaan.</a:t>
             </a:r>
           </a:p>
           <a:p>
@@ -8353,15 +8677,7 @@
             </a:pPr>
             <a:r>
               <a:rPr lang="nl-NL" dirty="0"/>
-              <a:t>Het kost processor kracht om gegevens te versleutelen en te </a:t>
-            </a:r>
-            <a:r>
-              <a:rPr lang="nl-NL" dirty="0" err="1"/>
-              <a:t>ontsleutelen</a:t>
-            </a:r>
-            <a:r>
-              <a:rPr lang="nl-NL" dirty="0"/>
-              <a:t>.</a:t>
+              <a:t>Het kost processor kracht om gegevens te versleutelen en te ontsleutelen.</a:t>
             </a:r>
           </a:p>
           <a:p>
@@ -8477,15 +8793,7 @@
             </a:pPr>
             <a:r>
               <a:rPr lang="nl-NL" dirty="0"/>
-              <a:t>Bij asymmetrische versleuteling worden gegevens versleuteld met een sleutel, de sleutel die nodig is om te </a:t>
-            </a:r>
-            <a:r>
-              <a:rPr lang="nl-NL" dirty="0" err="1"/>
-              <a:t>ontsleutelen</a:t>
-            </a:r>
-            <a:r>
-              <a:rPr lang="nl-NL" dirty="0"/>
-              <a:t> is anders. Dit is vooral handig bij het versturen van data naar andere.</a:t>
+              <a:t>Bij asymmetrische versleuteling worden gegevens versleuteld met een sleutel, de sleutel die nodig is om te ontsleutelen is anders. Dit is vooral handig bij het versturen van data naar andere.</a:t>
             </a:r>
           </a:p>
         </p:txBody>
@@ -8530,15 +8838,7 @@
             </a:pPr>
             <a:r>
               <a:rPr lang="nl-NL" dirty="0"/>
-              <a:t>Veiliger dan </a:t>
-            </a:r>
-            <a:r>
-              <a:rPr lang="nl-NL" dirty="0" err="1"/>
-              <a:t>onversleuteld</a:t>
-            </a:r>
-            <a:r>
-              <a:rPr lang="nl-NL" dirty="0"/>
-              <a:t> opslaan.</a:t>
+              <a:t>Veiliger dan on versleuteld opslaan.</a:t>
             </a:r>
           </a:p>
         </p:txBody>
@@ -8660,12 +8960,8 @@
           <a:lstStyle/>
           <a:p>
             <a:r>
-              <a:rPr lang="nl-NL" dirty="0" err="1"/>
-              <a:t>Hashing</a:t>
-            </a:r>
-            <a:r>
-              <a:rPr lang="nl-NL" dirty="0"/>
-              <a:t> op de database.</a:t>
+              <a:rPr lang="nl-NL" dirty="0"/>
+              <a:t>Hashing op de database.</a:t>
             </a:r>
           </a:p>
         </p:txBody>
@@ -8702,20 +8998,8 @@
               <a:buNone/>
             </a:pPr>
             <a:r>
-              <a:rPr lang="nl-NL" dirty="0" err="1"/>
-              <a:t>Hashing</a:t>
-            </a:r>
-            <a:r>
-              <a:rPr lang="nl-NL" dirty="0"/>
-              <a:t> is het uitvoeren van een eenzijdige functie op een stukje data. Dat betekent dat de data word omgezet naar een stuk willekeurig uitziende tekens, dit kan niet meer terug worden gezet naar de originele data. Als de zelfde data meerdere keren wordt </a:t>
-            </a:r>
-            <a:r>
-              <a:rPr lang="nl-NL" dirty="0" err="1"/>
-              <a:t>gehashed</a:t>
-            </a:r>
-            <a:r>
-              <a:rPr lang="nl-NL" dirty="0"/>
-              <a:t> is de uitkomst steeds het zelfde.</a:t>
+              <a:rPr lang="nl-NL" dirty="0"/>
+              <a:t>Hashing is het uitvoeren van een eenzijdige functie op een stukje data. Dat betekent dat de data word omgezet naar een stuk willekeurig uitziende tekens, dit kan niet meer terug worden gezet naar de originele data. Als de zelfde data meerdere keren wordt gehashed is de uitkomst steeds het zelfde.</a:t>
             </a:r>
           </a:p>
         </p:txBody>
@@ -8760,15 +9044,7 @@
             </a:pPr>
             <a:r>
               <a:rPr lang="nl-NL" dirty="0"/>
-              <a:t>Als iemand de private-</a:t>
-            </a:r>
-            <a:r>
-              <a:rPr lang="nl-NL" dirty="0" err="1"/>
-              <a:t>key</a:t>
-            </a:r>
-            <a:r>
-              <a:rPr lang="nl-NL" dirty="0"/>
-              <a:t> steelt is de data nog steeds onbekend.</a:t>
+              <a:t>Als iemand de sleutel steelt is de data nog steeds onbekend.</a:t>
             </a:r>
           </a:p>
         </p:txBody>
@@ -8823,15 +9099,7 @@
             </a:pPr>
             <a:r>
               <a:rPr lang="nl-NL" dirty="0"/>
-              <a:t>Er zijn maar 10^4 verschillende pincodes, iemand kan alle mogelijkheden </a:t>
-            </a:r>
-            <a:r>
-              <a:rPr lang="nl-NL" dirty="0" err="1"/>
-              <a:t>hashen</a:t>
-            </a:r>
-            <a:r>
-              <a:rPr lang="nl-NL" dirty="0"/>
-              <a:t> en vergelijken met de database. </a:t>
+              <a:t>Er zijn maar 10^4 verschillende pincodes, iemand kan alle mogelijkheden hashen en vergelijken met de database. </a:t>
             </a:r>
           </a:p>
         </p:txBody>
@@ -8888,20 +9156,8 @@
           <a:lstStyle/>
           <a:p>
             <a:r>
-              <a:rPr lang="nl-NL" dirty="0" err="1"/>
-              <a:t>Hashing</a:t>
-            </a:r>
-            <a:r>
-              <a:rPr lang="nl-NL" dirty="0"/>
-              <a:t> en </a:t>
-            </a:r>
-            <a:r>
-              <a:rPr lang="nl-NL" dirty="0" err="1"/>
-              <a:t>salting</a:t>
-            </a:r>
-            <a:r>
-              <a:rPr lang="nl-NL" dirty="0"/>
-              <a:t> op de database.</a:t>
+              <a:rPr lang="nl-NL" dirty="0"/>
+              <a:t>Hashing en salting op de database.</a:t>
             </a:r>
           </a:p>
         </p:txBody>
@@ -8939,15 +9195,7 @@
             </a:pPr>
             <a:r>
               <a:rPr lang="nl-NL" dirty="0"/>
-              <a:t>Dit werkt het zelfde als </a:t>
-            </a:r>
-            <a:r>
-              <a:rPr lang="nl-NL" dirty="0" err="1"/>
-              <a:t>hashing</a:t>
-            </a:r>
-            <a:r>
-              <a:rPr lang="nl-NL" dirty="0"/>
-              <a:t> maar nu word er een random gegenereerd stukje data (</a:t>
+              <a:t>Dit werkt het zelfde als hashing maar nu word er een random gegenereerd stukje data (</a:t>
             </a:r>
             <a:r>
               <a:rPr lang="nl-NL" dirty="0" err="1"/>
@@ -9040,15 +9288,7 @@
             </a:pPr>
             <a:r>
               <a:rPr lang="nl-NL" dirty="0"/>
-              <a:t>Als iemand de private-</a:t>
-            </a:r>
-            <a:r>
-              <a:rPr lang="nl-NL" dirty="0" err="1"/>
-              <a:t>key</a:t>
-            </a:r>
-            <a:r>
-              <a:rPr lang="nl-NL" dirty="0"/>
-              <a:t> steelt is de data nog steeds onbekend.</a:t>
+              <a:t>Als iemand de sleutel steelt is de data nog steeds onbekend.</a:t>
             </a:r>
           </a:p>
           <a:p>
@@ -9347,15 +9587,7 @@
             </a:pPr>
             <a:r>
               <a:rPr lang="nl-NL" dirty="0"/>
-              <a:t>Een verkeerd gekozen </a:t>
-            </a:r>
-            <a:r>
-              <a:rPr lang="nl-NL" dirty="0" err="1"/>
-              <a:t>beveiligings</a:t>
-            </a:r>
-            <a:r>
-              <a:rPr lang="nl-NL" dirty="0"/>
-              <a:t> methode kan negatief gevolgen hebben.  </a:t>
+              <a:t>Een verkeerd gekozen beveiligingsmethode kan negatief gevolgen hebben.  </a:t>
             </a:r>
           </a:p>
         </p:txBody>
@@ -9444,15 +9676,7 @@
             </a:pPr>
             <a:r>
               <a:rPr lang="nl-NL" dirty="0"/>
-              <a:t>Ik adviseer om een combi van verschillenden </a:t>
-            </a:r>
-            <a:r>
-              <a:rPr lang="nl-NL" dirty="0" err="1"/>
-              <a:t>beveiligings</a:t>
-            </a:r>
-            <a:r>
-              <a:rPr lang="nl-NL" dirty="0"/>
-              <a:t> methodes toe te passen. Ik adviseer om de pincodes samen met </a:t>
+              <a:t>Ik adviseer om een combi van verschillenden beveiligingsmethodes toe te passen. Ik adviseer om de pincodes samen met </a:t>
             </a:r>
             <a:r>
               <a:rPr lang="nl-NL" dirty="0" err="1"/>
@@ -9472,7 +9696,7 @@
             </a:r>
             <a:r>
               <a:rPr lang="nl-NL" dirty="0" err="1"/>
-              <a:t>uid’s</a:t>
+              <a:t>UID’s</a:t>
             </a:r>
             <a:r>
               <a:rPr lang="nl-NL" dirty="0"/>
@@ -10034,7 +10258,7 @@
             </a:r>
             <a:r>
               <a:rPr lang="nl-NL" dirty="0" err="1"/>
-              <a:t>uid’s</a:t>
+              <a:t>UID’s</a:t>
             </a:r>
             <a:r>
               <a:rPr lang="nl-NL" dirty="0"/>
@@ -10458,11 +10682,11 @@
           <a:p>
             <a:r>
               <a:rPr lang="nl-NL" dirty="0"/>
-              <a:t>ring verbinding netwerk en dataflow </a:t>
-            </a:r>
-            <a:r>
-              <a:rPr lang="nl-NL" dirty="0" err="1"/>
-              <a:t>chart</a:t>
+              <a:t>ring verbinding netwerk en dataflow</a:t>
+            </a:r>
+            <a:r>
+              <a:rPr lang="en-GB" dirty="0"/>
+              <a:t> chart</a:t>
             </a:r>
             <a:r>
               <a:rPr lang="nl-NL" dirty="0"/>
@@ -10621,15 +10845,7 @@
             </a:pPr>
             <a:r>
               <a:rPr lang="nl-NL" dirty="0"/>
-              <a:t>Bij een centrale verbinding stuurt een pin automaat een aanvraag altijd naar de centrale server. De centrale server zoekt de </a:t>
-            </a:r>
-            <a:r>
-              <a:rPr lang="nl-NL" dirty="0" err="1"/>
-              <a:t>uid</a:t>
-            </a:r>
-            <a:r>
-              <a:rPr lang="nl-NL" dirty="0"/>
-              <a:t> op en stuurt de aanvraag door naar de goede server. De goede server stuurt de data via de centrale server door naar de pinautomaat.</a:t>
+              <a:t>Bij een centrale verbinding stuurt een pin automaat een aanvraag altijd naar de centrale server. De centrale server zoekt de UID op en stuurt de aanvraag door naar de goede server. De goede server stuurt de data via de centrale server door naar de pinautomaat.</a:t>
             </a:r>
           </a:p>
         </p:txBody>
@@ -10787,15 +11003,7 @@
           <a:p>
             <a:r>
               <a:rPr lang="nl-NL" dirty="0"/>
-              <a:t>centrale verbinding netwerk en dataflow </a:t>
-            </a:r>
-            <a:r>
-              <a:rPr lang="nl-NL" dirty="0" err="1"/>
-              <a:t>chart</a:t>
-            </a:r>
-            <a:r>
-              <a:rPr lang="nl-NL" dirty="0"/>
-              <a:t>.</a:t>
+              <a:t>centrale verbinding netwerk en dataflow chart.</a:t>
             </a:r>
           </a:p>
         </p:txBody>
@@ -11129,15 +11337,7 @@
           <a:p>
             <a:r>
               <a:rPr lang="nl-NL" dirty="0"/>
-              <a:t>directe verbinding netwerk en dataflow </a:t>
-            </a:r>
-            <a:r>
-              <a:rPr lang="nl-NL" dirty="0" err="1"/>
-              <a:t>chart</a:t>
-            </a:r>
-            <a:r>
-              <a:rPr lang="nl-NL" dirty="0"/>
-              <a:t>.</a:t>
+              <a:t>directe verbinding netwerk en dataflow chart.</a:t>
             </a:r>
           </a:p>
         </p:txBody>
@@ -11581,15 +11781,7 @@
           <a:p>
             <a:r>
               <a:rPr lang="nl-NL" dirty="0"/>
-              <a:t>Er wordt op een </a:t>
-            </a:r>
-            <a:r>
-              <a:rPr lang="nl-NL" dirty="0" err="1"/>
-              <a:t>tcp</a:t>
-            </a:r>
-            <a:r>
-              <a:rPr lang="nl-NL" dirty="0"/>
-              <a:t> poort verbinding gemaakt.</a:t>
+              <a:t>Er wordt op een TCP poort verbinding gemaakt.</a:t>
             </a:r>
           </a:p>
           <a:p>
@@ -11601,21 +11793,13 @@
           <a:p>
             <a:r>
               <a:rPr lang="nl-NL" dirty="0"/>
-              <a:t>De verbinding wordt beveiligd met tls1.3</a:t>
-            </a:r>
-          </a:p>
-          <a:p>
-            <a:r>
-              <a:rPr lang="nl-NL" dirty="0"/>
-              <a:t>De database word beveiligd met een combinatie van versleuteling en </a:t>
-            </a:r>
-            <a:r>
-              <a:rPr lang="nl-NL" dirty="0" err="1"/>
-              <a:t>hashing</a:t>
-            </a:r>
-            <a:r>
-              <a:rPr lang="nl-NL" dirty="0"/>
-              <a:t>.</a:t>
+              <a:t>De verbinding wordt beveiligd met tls1.3.</a:t>
+            </a:r>
+          </a:p>
+          <a:p>
+            <a:r>
+              <a:rPr lang="nl-NL" dirty="0"/>
+              <a:t>De database word beveiligd met een combinatie van versleuteling en hashing.</a:t>
             </a:r>
           </a:p>
           <a:p>
@@ -11737,51 +11921,19 @@
             </a:r>
             <a:r>
               <a:rPr lang="nl-NL" dirty="0" err="1"/>
-              <a:t>uid’s</a:t>
-            </a:r>
-            <a:r>
-              <a:rPr lang="nl-NL" dirty="0"/>
-              <a:t> van klanten en vraagt om de pincode. De pinautomaat verbind met een </a:t>
+              <a:t>UID’s</a:t>
+            </a:r>
+            <a:r>
+              <a:rPr lang="nl-NL" dirty="0"/>
+              <a:t> van klanten en vraagt om de pincode. De pinautomaat verbind met een TCP poort van de bank server. Als de automaat en de server verbonden zijn word de verbinding versleuteld met tls1.3, het TLS certificaat kan bij een onafhankelijke server gecontroleerd worden. De bank server vergelijkt de UID die hij heeft ontvangen met de </a:t>
             </a:r>
             <a:r>
               <a:rPr lang="nl-NL" dirty="0" err="1"/>
-              <a:t>tcp</a:t>
-            </a:r>
-            <a:r>
-              <a:rPr lang="nl-NL" dirty="0"/>
-              <a:t> poort van de bank server. Als de automaat en de server verbonden zijn word de verbinding versleuteld met tls1.3, het </a:t>
-            </a:r>
-            <a:r>
-              <a:rPr lang="nl-NL" dirty="0" err="1"/>
-              <a:t>tls</a:t>
-            </a:r>
-            <a:r>
-              <a:rPr lang="nl-NL" dirty="0"/>
-              <a:t> certificaat kan bij een onafhankelijke server gecontroleerd worden. De bank server vergelijkt de </a:t>
-            </a:r>
-            <a:r>
-              <a:rPr lang="nl-NL" dirty="0" err="1"/>
-              <a:t>uid</a:t>
-            </a:r>
-            <a:r>
-              <a:rPr lang="nl-NL" dirty="0"/>
-              <a:t> die hij heeft ontvangen met de </a:t>
-            </a:r>
-            <a:r>
-              <a:rPr lang="nl-NL" dirty="0" err="1"/>
-              <a:t>uid’s</a:t>
-            </a:r>
-            <a:r>
-              <a:rPr lang="nl-NL" dirty="0"/>
-              <a:t> in de database, op de volgende dia staat wat er verder gebeurd. Als de bank server de </a:t>
-            </a:r>
-            <a:r>
-              <a:rPr lang="nl-NL" dirty="0" err="1"/>
-              <a:t>uid</a:t>
-            </a:r>
-            <a:r>
-              <a:rPr lang="nl-NL" dirty="0"/>
-              <a:t> niet kent vraagt hij aan de centrale server bij welke bank hij de gegevens moet opvragen.</a:t>
+              <a:t>UID’s</a:t>
+            </a:r>
+            <a:r>
+              <a:rPr lang="nl-NL" dirty="0"/>
+              <a:t> in de database, op de volgende dia staat wat er verder gebeurd. Als de bank server de UID niet kent vraagt hij aan de centrale server bij welke bank hij de gegevens moet opvragen.</a:t>
             </a:r>
           </a:p>
           <a:p>
@@ -11883,15 +12035,7 @@
             </a:pPr>
             <a:r>
               <a:rPr lang="nl-NL" dirty="0"/>
-              <a:t>De bank server stuurt de aanvraag door naar de goede server. De volgende stappen zijn het zelfde ongeacht of de aanvraag van een pin automaat of vanaf een andere bank komt. De server zoekt de goede </a:t>
-            </a:r>
-            <a:r>
-              <a:rPr lang="nl-NL" dirty="0" err="1"/>
-              <a:t>uid</a:t>
-            </a:r>
-            <a:r>
-              <a:rPr lang="nl-NL" dirty="0"/>
-              <a:t> op en plakt de bijbehorende </a:t>
+              <a:t>De bank server stuurt de aanvraag door naar de goede server. De volgende stappen zijn het zelfde ongeacht of de aanvraag van een pin automaat of vanaf een andere bank komt. De server zoekt de goede UID op en plakt de bijbehorende </a:t>
             </a:r>
             <a:r>
               <a:rPr lang="nl-NL" dirty="0" err="1"/>
@@ -12011,7 +12155,10 @@
               <a:rPr lang="nl-NL" dirty="0" err="1"/>
               <a:t>chart</a:t>
             </a:r>
-            <a:endParaRPr lang="nl-NL" dirty="0"/>
+            <a:r>
+              <a:rPr lang="nl-NL" dirty="0"/>
+              <a:t>.</a:t>
+            </a:r>
           </a:p>
         </p:txBody>
       </p:sp>
@@ -12128,15 +12275,7 @@
           <a:p>
             <a:r>
               <a:rPr lang="nl-NL" dirty="0"/>
-              <a:t>Eind conclusie netwerk </a:t>
-            </a:r>
-            <a:r>
-              <a:rPr lang="nl-NL" dirty="0" err="1"/>
-              <a:t>chart</a:t>
-            </a:r>
-            <a:r>
-              <a:rPr lang="nl-NL" dirty="0"/>
-              <a:t>.</a:t>
+              <a:t>Eind conclusie netwerk chart.</a:t>
             </a:r>
           </a:p>
         </p:txBody>
@@ -12495,22 +12634,14 @@
           </a:p>
           <a:p>
             <a:r>
-              <a:rPr lang="nl-NL" sz="2400" dirty="0" err="1"/>
-              <a:t>Ontsleutelen</a:t>
-            </a:r>
-            <a:r>
               <a:rPr lang="nl-NL" sz="2400" dirty="0"/>
-              <a:t> – het tegenovergestelde van versleutelen.</a:t>
-            </a:r>
-          </a:p>
-          <a:p>
-            <a:r>
-              <a:rPr lang="nl-NL" sz="2400" dirty="0" err="1"/>
-              <a:t>Uid</a:t>
-            </a:r>
+              <a:t>Ontsleutelen – het tegenovergestelde van versleutelen.</a:t>
+            </a:r>
+          </a:p>
+          <a:p>
             <a:r>
               <a:rPr lang="nl-NL" sz="2400" dirty="0"/>
-              <a:t> – Het unieke nummer van iedere pin pas.</a:t>
+              <a:t>UID – Het unieke nummer van iedere pin pas.</a:t>
             </a:r>
           </a:p>
           <a:p>
@@ -12719,19 +12850,19 @@
           <a:p>
             <a:r>
               <a:rPr lang="nl-NL" dirty="0"/>
-              <a:t>Speciaal aangelegde kabels</a:t>
-            </a:r>
-          </a:p>
-          <a:p>
-            <a:r>
-              <a:rPr lang="nl-NL" dirty="0"/>
-              <a:t>Satelliet verbindingen</a:t>
-            </a:r>
-          </a:p>
-          <a:p>
-            <a:r>
-              <a:rPr lang="nl-NL" dirty="0"/>
-              <a:t>Het internet</a:t>
+              <a:t>Speciaal aangelegde kabels.</a:t>
+            </a:r>
+          </a:p>
+          <a:p>
+            <a:r>
+              <a:rPr lang="nl-NL" dirty="0"/>
+              <a:t>Satelliet verbindingen.</a:t>
+            </a:r>
+          </a:p>
+          <a:p>
+            <a:r>
+              <a:rPr lang="nl-NL" dirty="0"/>
+              <a:t>Het internet.</a:t>
             </a:r>
           </a:p>
         </p:txBody>
